--- a/Amazon Product Review Sentiments presentation.pptx
+++ b/Amazon Product Review Sentiments presentation.pptx
@@ -13071,19 +13071,63 @@
         </p:nvSpPr>
         <p:spPr>
           <a:xfrm>
-            <a:off x="419106" y="2198915"/>
-            <a:ext cx="9741183" cy="3048946"/>
+            <a:off x="419106" y="1451113"/>
+            <a:ext cx="9741183" cy="4393096"/>
           </a:xfrm>
         </p:spPr>
         <p:txBody>
           <a:bodyPr>
-            <a:normAutofit fontScale="92500" lnSpcReduction="20000"/>
+            <a:noAutofit/>
           </a:bodyPr>
           <a:lstStyle/>
           <a:p>
             <a:pPr lvl="1" algn="just">
               <a:lnSpc>
-                <a:spcPct val="200000"/>
+                <a:spcPct val="150000"/>
+              </a:lnSpc>
+              <a:buFont typeface="Arial" panose="020B0604020202020204" pitchFamily="34" charset="0"/>
+              <a:buChar char="•"/>
+            </a:pPr>
+            <a:r>
+              <a:rPr lang="en-US" dirty="0">
+                <a:solidFill>
+                  <a:srgbClr val="1F2328"/>
+                </a:solidFill>
+                <a:highlight>
+                  <a:srgbClr val="FFFFFF"/>
+                </a:highlight>
+                <a:latin typeface="Söhne"/>
+              </a:rPr>
+              <a:t>This</a:t>
+            </a:r>
+            <a:r>
+              <a:rPr lang="en-US" b="0" i="0" dirty="0">
+                <a:solidFill>
+                  <a:srgbClr val="1F2328"/>
+                </a:solidFill>
+                <a:effectLst/>
+                <a:highlight>
+                  <a:srgbClr val="FFFFFF"/>
+                </a:highlight>
+                <a:latin typeface="Söhne"/>
+              </a:rPr>
+              <a:t> machine learning project focused on performing sentiment analysis on Amazon product reviews. The aim is to classify the sentiments expressed in the reviews as either positive or negative. This can assist businesses in automating the analysis of customer feedback and enhance user experience through improved product recommendations.</a:t>
+            </a:r>
+            <a:endParaRPr lang="en-US" b="1" i="0" dirty="0">
+              <a:solidFill>
+                <a:srgbClr val="0D0D0D"/>
+              </a:solidFill>
+              <a:effectLst/>
+              <a:highlight>
+                <a:srgbClr val="FFFFFF"/>
+              </a:highlight>
+              <a:latin typeface="Söhne"/>
+            </a:endParaRPr>
+          </a:p>
+          <a:p>
+            <a:pPr lvl="1" algn="just">
+              <a:lnSpc>
+                <a:spcPct val="150000"/>
               </a:lnSpc>
               <a:buFont typeface="Arial" panose="020B0604020202020204" pitchFamily="34" charset="0"/>
               <a:buChar char="•"/>
@@ -13118,7 +13162,7 @@
           <a:p>
             <a:pPr lvl="1" algn="just">
               <a:lnSpc>
-                <a:spcPct val="200000"/>
+                <a:spcPct val="150000"/>
               </a:lnSpc>
               <a:buFont typeface="Arial" panose="020B0604020202020204" pitchFamily="34" charset="0"/>
               <a:buChar char="•"/>
@@ -13153,7 +13197,7 @@
           <a:p>
             <a:pPr lvl="1" algn="just">
               <a:lnSpc>
-                <a:spcPct val="200000"/>
+                <a:spcPct val="150000"/>
               </a:lnSpc>
               <a:buFont typeface="Arial" panose="020B0604020202020204" pitchFamily="34" charset="0"/>
               <a:buChar char="•"/>
@@ -16658,6 +16702,26 @@
 </file>
 
 <file path=customXml/item1.xml><?xml version="1.0" encoding="utf-8"?>
+<p:properties xmlns:p="http://schemas.microsoft.com/office/2006/metadata/properties" xmlns:xsi="http://www.w3.org/2001/XMLSchema-instance" xmlns:pc="http://schemas.microsoft.com/office/infopath/2007/PartnerControls">
+  <documentManagement>
+    <_ip_UnifiedCompliancePolicyUIAction xmlns="http://schemas.microsoft.com/sharepoint/v3" xsi:nil="true"/>
+    <Image xmlns="71af3243-3dd4-4a8d-8c0d-dd76da1f02a5">
+      <Url xsi:nil="true"/>
+      <Description xsi:nil="true"/>
+    </Image>
+    <Status xmlns="71af3243-3dd4-4a8d-8c0d-dd76da1f02a5">Not started</Status>
+    <Background xmlns="71af3243-3dd4-4a8d-8c0d-dd76da1f02a5">false</Background>
+    <_ip_UnifiedCompliancePolicyProperties xmlns="http://schemas.microsoft.com/sharepoint/v3" xsi:nil="true"/>
+    <ImageTagsTaxHTField xmlns="71af3243-3dd4-4a8d-8c0d-dd76da1f02a5">
+      <Terms xmlns="http://schemas.microsoft.com/office/infopath/2007/PartnerControls"/>
+    </ImageTagsTaxHTField>
+    <TaxCatchAll xmlns="230e9df3-be65-4c73-a93b-d1236ebd677e" xsi:nil="true"/>
+    <MediaServiceKeyPoints xmlns="71af3243-3dd4-4a8d-8c0d-dd76da1f02a5" xsi:nil="true"/>
+  </documentManagement>
+</p:properties>
+</file>
+
+<file path=customXml/item2.xml><?xml version="1.0" encoding="utf-8"?>
 <ct:contentTypeSchema xmlns:ct="http://schemas.microsoft.com/office/2006/metadata/contentType" xmlns:ma="http://schemas.microsoft.com/office/2006/metadata/properties/metaAttributes" ct:_="" ma:_="" ma:contentTypeName="Document" ma:contentTypeID="0x01010079F111ED35F8CC479449609E8A0923A6" ma:contentTypeVersion="28" ma:contentTypeDescription="Create a new document." ma:contentTypeScope="" ma:versionID="60f5a4f2d2b0abadcf532d48ebf9cb71">
   <xsd:schema xmlns:xsd="http://www.w3.org/2001/XMLSchema" xmlns:xs="http://www.w3.org/2001/XMLSchema" xmlns:p="http://schemas.microsoft.com/office/2006/metadata/properties" xmlns:ns1="http://schemas.microsoft.com/sharepoint/v3" xmlns:ns2="71af3243-3dd4-4a8d-8c0d-dd76da1f02a5" xmlns:ns3="16c05727-aa75-4e4a-9b5f-8a80a1165891" xmlns:ns4="230e9df3-be65-4c73-a93b-d1236ebd677e" targetNamespace="http://schemas.microsoft.com/office/2006/metadata/properties" ma:root="true" ma:fieldsID="7dd78129e6a1811f84807ad11c651531" ns1:_="" ns2:_="" ns3:_="" ns4:_="">
     <xsd:import namespace="http://schemas.microsoft.com/sharepoint/v3"/>
@@ -16969,26 +17033,6 @@
 </ct:contentTypeSchema>
 </file>
 
-<file path=customXml/item2.xml><?xml version="1.0" encoding="utf-8"?>
-<p:properties xmlns:p="http://schemas.microsoft.com/office/2006/metadata/properties" xmlns:xsi="http://www.w3.org/2001/XMLSchema-instance" xmlns:pc="http://schemas.microsoft.com/office/infopath/2007/PartnerControls">
-  <documentManagement>
-    <_ip_UnifiedCompliancePolicyUIAction xmlns="http://schemas.microsoft.com/sharepoint/v3" xsi:nil="true"/>
-    <Image xmlns="71af3243-3dd4-4a8d-8c0d-dd76da1f02a5">
-      <Url xsi:nil="true"/>
-      <Description xsi:nil="true"/>
-    </Image>
-    <Status xmlns="71af3243-3dd4-4a8d-8c0d-dd76da1f02a5">Not started</Status>
-    <Background xmlns="71af3243-3dd4-4a8d-8c0d-dd76da1f02a5">false</Background>
-    <_ip_UnifiedCompliancePolicyProperties xmlns="http://schemas.microsoft.com/sharepoint/v3" xsi:nil="true"/>
-    <ImageTagsTaxHTField xmlns="71af3243-3dd4-4a8d-8c0d-dd76da1f02a5">
-      <Terms xmlns="http://schemas.microsoft.com/office/infopath/2007/PartnerControls"/>
-    </ImageTagsTaxHTField>
-    <TaxCatchAll xmlns="230e9df3-be65-4c73-a93b-d1236ebd677e" xsi:nil="true"/>
-    <MediaServiceKeyPoints xmlns="71af3243-3dd4-4a8d-8c0d-dd76da1f02a5" xsi:nil="true"/>
-  </documentManagement>
-</p:properties>
-</file>
-
 <file path=customXml/item3.xml><?xml version="1.0" encoding="utf-8"?>
 <?mso-contentType ?>
 <FormTemplates xmlns="http://schemas.microsoft.com/sharepoint/v3/contenttype/forms">
@@ -16999,6 +17043,18 @@
 </file>
 
 <file path=customXml/itemProps1.xml><?xml version="1.0" encoding="utf-8"?>
+<ds:datastoreItem xmlns:ds="http://schemas.openxmlformats.org/officeDocument/2006/customXml" ds:itemID="{E3B37DAF-AFAF-4561-A80B-C76198EBD319}">
+  <ds:schemaRefs>
+    <ds:schemaRef ds:uri="http://schemas.microsoft.com/office/2006/metadata/properties"/>
+    <ds:schemaRef ds:uri="http://schemas.microsoft.com/office/infopath/2007/PartnerControls"/>
+    <ds:schemaRef ds:uri="http://schemas.microsoft.com/sharepoint/v3"/>
+    <ds:schemaRef ds:uri="71af3243-3dd4-4a8d-8c0d-dd76da1f02a5"/>
+    <ds:schemaRef ds:uri="230e9df3-be65-4c73-a93b-d1236ebd677e"/>
+  </ds:schemaRefs>
+</ds:datastoreItem>
+</file>
+
+<file path=customXml/itemProps2.xml><?xml version="1.0" encoding="utf-8"?>
 <ds:datastoreItem xmlns:ds="http://schemas.openxmlformats.org/officeDocument/2006/customXml" ds:itemID="{A29436BC-77AE-4AEE-A282-4E162A1CAA7D}">
   <ds:schemaRefs>
     <ds:schemaRef ds:uri="http://schemas.microsoft.com/office/2006/metadata/contentType"/>
@@ -17019,18 +17075,6 @@
 </ds:datastoreItem>
 </file>
 
-<file path=customXml/itemProps2.xml><?xml version="1.0" encoding="utf-8"?>
-<ds:datastoreItem xmlns:ds="http://schemas.openxmlformats.org/officeDocument/2006/customXml" ds:itemID="{E3B37DAF-AFAF-4561-A80B-C76198EBD319}">
-  <ds:schemaRefs>
-    <ds:schemaRef ds:uri="http://schemas.microsoft.com/office/2006/metadata/properties"/>
-    <ds:schemaRef ds:uri="http://schemas.microsoft.com/office/infopath/2007/PartnerControls"/>
-    <ds:schemaRef ds:uri="http://schemas.microsoft.com/sharepoint/v3"/>
-    <ds:schemaRef ds:uri="71af3243-3dd4-4a8d-8c0d-dd76da1f02a5"/>
-    <ds:schemaRef ds:uri="230e9df3-be65-4c73-a93b-d1236ebd677e"/>
-  </ds:schemaRefs>
-</ds:datastoreItem>
-</file>
-
 <file path=customXml/itemProps3.xml><?xml version="1.0" encoding="utf-8"?>
 <ds:datastoreItem xmlns:ds="http://schemas.openxmlformats.org/officeDocument/2006/customXml" ds:itemID="{5B665E41-66EB-401D-940D-8E7024721BE5}">
   <ds:schemaRefs>

--- a/Amazon Product Review Sentiments presentation.pptx
+++ b/Amazon Product Review Sentiments presentation.pptx
@@ -5,31 +5,32 @@
     <p:sldMasterId id="2147483883" r:id="rId4"/>
   </p:sldMasterIdLst>
   <p:notesMasterIdLst>
-    <p:notesMasterId r:id="rId24"/>
+    <p:notesMasterId r:id="rId25"/>
   </p:notesMasterIdLst>
   <p:handoutMasterIdLst>
-    <p:handoutMasterId r:id="rId25"/>
+    <p:handoutMasterId r:id="rId26"/>
   </p:handoutMasterIdLst>
   <p:sldIdLst>
     <p:sldId id="325" r:id="rId5"/>
     <p:sldId id="307" r:id="rId6"/>
     <p:sldId id="312" r:id="rId7"/>
-    <p:sldId id="341" r:id="rId8"/>
-    <p:sldId id="342" r:id="rId9"/>
-    <p:sldId id="343" r:id="rId10"/>
-    <p:sldId id="344" r:id="rId11"/>
-    <p:sldId id="345" r:id="rId12"/>
-    <p:sldId id="347" r:id="rId13"/>
-    <p:sldId id="346" r:id="rId14"/>
-    <p:sldId id="348" r:id="rId15"/>
-    <p:sldId id="350" r:id="rId16"/>
-    <p:sldId id="355" r:id="rId17"/>
-    <p:sldId id="351" r:id="rId18"/>
-    <p:sldId id="349" r:id="rId19"/>
-    <p:sldId id="352" r:id="rId20"/>
-    <p:sldId id="353" r:id="rId21"/>
-    <p:sldId id="354" r:id="rId22"/>
-    <p:sldId id="321" r:id="rId23"/>
+    <p:sldId id="356" r:id="rId8"/>
+    <p:sldId id="341" r:id="rId9"/>
+    <p:sldId id="342" r:id="rId10"/>
+    <p:sldId id="343" r:id="rId11"/>
+    <p:sldId id="344" r:id="rId12"/>
+    <p:sldId id="345" r:id="rId13"/>
+    <p:sldId id="347" r:id="rId14"/>
+    <p:sldId id="346" r:id="rId15"/>
+    <p:sldId id="348" r:id="rId16"/>
+    <p:sldId id="350" r:id="rId17"/>
+    <p:sldId id="355" r:id="rId18"/>
+    <p:sldId id="351" r:id="rId19"/>
+    <p:sldId id="349" r:id="rId20"/>
+    <p:sldId id="352" r:id="rId21"/>
+    <p:sldId id="353" r:id="rId22"/>
+    <p:sldId id="354" r:id="rId23"/>
+    <p:sldId id="321" r:id="rId24"/>
   </p:sldIdLst>
   <p:sldSz cx="12192000" cy="6858000"/>
   <p:notesSz cx="6858000" cy="9144000"/>
@@ -835,7 +836,7 @@
     </p:spTree>
     <p:extLst>
       <p:ext uri="{BB962C8B-B14F-4D97-AF65-F5344CB8AC3E}">
-        <p14:creationId xmlns:p14="http://schemas.microsoft.com/office/powerpoint/2010/main" val="1432563499"/>
+        <p14:creationId xmlns:p14="http://schemas.microsoft.com/office/powerpoint/2010/main" val="2113369670"/>
       </p:ext>
     </p:extLst>
   </p:cSld>
@@ -919,7 +920,7 @@
     </p:spTree>
     <p:extLst>
       <p:ext uri="{BB962C8B-B14F-4D97-AF65-F5344CB8AC3E}">
-        <p14:creationId xmlns:p14="http://schemas.microsoft.com/office/powerpoint/2010/main" val="781629986"/>
+        <p14:creationId xmlns:p14="http://schemas.microsoft.com/office/powerpoint/2010/main" val="1432563499"/>
       </p:ext>
     </p:extLst>
   </p:cSld>
@@ -1003,7 +1004,7 @@
     </p:spTree>
     <p:extLst>
       <p:ext uri="{BB962C8B-B14F-4D97-AF65-F5344CB8AC3E}">
-        <p14:creationId xmlns:p14="http://schemas.microsoft.com/office/powerpoint/2010/main" val="3394098560"/>
+        <p14:creationId xmlns:p14="http://schemas.microsoft.com/office/powerpoint/2010/main" val="781629986"/>
       </p:ext>
     </p:extLst>
   </p:cSld>
@@ -1087,7 +1088,7 @@
     </p:spTree>
     <p:extLst>
       <p:ext uri="{BB962C8B-B14F-4D97-AF65-F5344CB8AC3E}">
-        <p14:creationId xmlns:p14="http://schemas.microsoft.com/office/powerpoint/2010/main" val="1998632170"/>
+        <p14:creationId xmlns:p14="http://schemas.microsoft.com/office/powerpoint/2010/main" val="3394098560"/>
       </p:ext>
     </p:extLst>
   </p:cSld>
@@ -1171,7 +1172,7 @@
     </p:spTree>
     <p:extLst>
       <p:ext uri="{BB962C8B-B14F-4D97-AF65-F5344CB8AC3E}">
-        <p14:creationId xmlns:p14="http://schemas.microsoft.com/office/powerpoint/2010/main" val="116647254"/>
+        <p14:creationId xmlns:p14="http://schemas.microsoft.com/office/powerpoint/2010/main" val="1998632170"/>
       </p:ext>
     </p:extLst>
   </p:cSld>
@@ -1255,7 +1256,7 @@
     </p:spTree>
     <p:extLst>
       <p:ext uri="{BB962C8B-B14F-4D97-AF65-F5344CB8AC3E}">
-        <p14:creationId xmlns:p14="http://schemas.microsoft.com/office/powerpoint/2010/main" val="3546739974"/>
+        <p14:creationId xmlns:p14="http://schemas.microsoft.com/office/powerpoint/2010/main" val="116647254"/>
       </p:ext>
     </p:extLst>
   </p:cSld>
@@ -1339,7 +1340,7 @@
     </p:spTree>
     <p:extLst>
       <p:ext uri="{BB962C8B-B14F-4D97-AF65-F5344CB8AC3E}">
-        <p14:creationId xmlns:p14="http://schemas.microsoft.com/office/powerpoint/2010/main" val="3285432413"/>
+        <p14:creationId xmlns:p14="http://schemas.microsoft.com/office/powerpoint/2010/main" val="3546739974"/>
       </p:ext>
     </p:extLst>
   </p:cSld>
@@ -1423,7 +1424,7 @@
     </p:spTree>
     <p:extLst>
       <p:ext uri="{BB962C8B-B14F-4D97-AF65-F5344CB8AC3E}">
-        <p14:creationId xmlns:p14="http://schemas.microsoft.com/office/powerpoint/2010/main" val="204170990"/>
+        <p14:creationId xmlns:p14="http://schemas.microsoft.com/office/powerpoint/2010/main" val="3285432413"/>
       </p:ext>
     </p:extLst>
   </p:cSld>
@@ -1507,7 +1508,7 @@
     </p:spTree>
     <p:extLst>
       <p:ext uri="{BB962C8B-B14F-4D97-AF65-F5344CB8AC3E}">
-        <p14:creationId xmlns:p14="http://schemas.microsoft.com/office/powerpoint/2010/main" val="2893899889"/>
+        <p14:creationId xmlns:p14="http://schemas.microsoft.com/office/powerpoint/2010/main" val="204170990"/>
       </p:ext>
     </p:extLst>
   </p:cSld>
@@ -1591,7 +1592,7 @@
     </p:spTree>
     <p:extLst>
       <p:ext uri="{BB962C8B-B14F-4D97-AF65-F5344CB8AC3E}">
-        <p14:creationId xmlns:p14="http://schemas.microsoft.com/office/powerpoint/2010/main" val="4255841742"/>
+        <p14:creationId xmlns:p14="http://schemas.microsoft.com/office/powerpoint/2010/main" val="2893899889"/>
       </p:ext>
     </p:extLst>
   </p:cSld>
@@ -1676,6 +1677,90 @@
     <p:extLst>
       <p:ext uri="{BB962C8B-B14F-4D97-AF65-F5344CB8AC3E}">
         <p14:creationId xmlns:p14="http://schemas.microsoft.com/office/powerpoint/2010/main" val="1441182343"/>
+      </p:ext>
+    </p:extLst>
+  </p:cSld>
+  <p:clrMapOvr>
+    <a:masterClrMapping/>
+  </p:clrMapOvr>
+</p:notes>
+</file>
+
+<file path=ppt/notesSlides/notesSlide20.xml><?xml version="1.0" encoding="utf-8"?>
+<p:notes xmlns:a="http://schemas.openxmlformats.org/drawingml/2006/main" xmlns:r="http://schemas.openxmlformats.org/officeDocument/2006/relationships" xmlns:p="http://schemas.openxmlformats.org/presentationml/2006/main">
+  <p:cSld>
+    <p:spTree>
+      <p:nvGrpSpPr>
+        <p:cNvPr id="1" name=""/>
+        <p:cNvGrpSpPr/>
+        <p:nvPr/>
+      </p:nvGrpSpPr>
+      <p:grpSpPr>
+        <a:xfrm>
+          <a:off x="0" y="0"/>
+          <a:ext cx="0" cy="0"/>
+          <a:chOff x="0" y="0"/>
+          <a:chExt cx="0" cy="0"/>
+        </a:xfrm>
+      </p:grpSpPr>
+      <p:sp>
+        <p:nvSpPr>
+          <p:cNvPr id="2" name="Slide Image Placeholder 1"/>
+          <p:cNvSpPr>
+            <a:spLocks noGrp="1" noRot="1" noChangeAspect="1"/>
+          </p:cNvSpPr>
+          <p:nvPr>
+            <p:ph type="sldImg"/>
+          </p:nvPr>
+        </p:nvSpPr>
+        <p:spPr/>
+      </p:sp>
+      <p:sp>
+        <p:nvSpPr>
+          <p:cNvPr id="3" name="Notes Placeholder 2"/>
+          <p:cNvSpPr>
+            <a:spLocks noGrp="1"/>
+          </p:cNvSpPr>
+          <p:nvPr>
+            <p:ph type="body" idx="1"/>
+          </p:nvPr>
+        </p:nvSpPr>
+        <p:spPr/>
+        <p:txBody>
+          <a:bodyPr/>
+          <a:lstStyle/>
+          <a:p>
+            <a:endParaRPr lang="en-US" dirty="0"/>
+          </a:p>
+        </p:txBody>
+      </p:sp>
+      <p:sp>
+        <p:nvSpPr>
+          <p:cNvPr id="4" name="Slide Number Placeholder 3"/>
+          <p:cNvSpPr>
+            <a:spLocks noGrp="1"/>
+          </p:cNvSpPr>
+          <p:nvPr>
+            <p:ph type="sldNum" sz="quarter" idx="5"/>
+          </p:nvPr>
+        </p:nvSpPr>
+        <p:spPr/>
+        <p:txBody>
+          <a:bodyPr/>
+          <a:lstStyle/>
+          <a:p>
+            <a:fld id="{0DC92804-03A6-47F6-A893-4DDB8903A808}" type="slidenum">
+              <a:rPr lang="en-US" smtClean="0"/>
+              <a:t>20</a:t>
+            </a:fld>
+            <a:endParaRPr lang="en-US" dirty="0"/>
+          </a:p>
+        </p:txBody>
+      </p:sp>
+    </p:spTree>
+    <p:extLst>
+      <p:ext uri="{BB962C8B-B14F-4D97-AF65-F5344CB8AC3E}">
+        <p14:creationId xmlns:p14="http://schemas.microsoft.com/office/powerpoint/2010/main" val="4255841742"/>
       </p:ext>
     </p:extLst>
   </p:cSld>
@@ -1843,7 +1928,7 @@
     </p:spTree>
     <p:extLst>
       <p:ext uri="{BB962C8B-B14F-4D97-AF65-F5344CB8AC3E}">
-        <p14:creationId xmlns:p14="http://schemas.microsoft.com/office/powerpoint/2010/main" val="3512597262"/>
+        <p14:creationId xmlns:p14="http://schemas.microsoft.com/office/powerpoint/2010/main" val="2226051663"/>
       </p:ext>
     </p:extLst>
   </p:cSld>
@@ -1927,7 +2012,7 @@
     </p:spTree>
     <p:extLst>
       <p:ext uri="{BB962C8B-B14F-4D97-AF65-F5344CB8AC3E}">
-        <p14:creationId xmlns:p14="http://schemas.microsoft.com/office/powerpoint/2010/main" val="40248194"/>
+        <p14:creationId xmlns:p14="http://schemas.microsoft.com/office/powerpoint/2010/main" val="3512597262"/>
       </p:ext>
     </p:extLst>
   </p:cSld>
@@ -2011,7 +2096,7 @@
     </p:spTree>
     <p:extLst>
       <p:ext uri="{BB962C8B-B14F-4D97-AF65-F5344CB8AC3E}">
-        <p14:creationId xmlns:p14="http://schemas.microsoft.com/office/powerpoint/2010/main" val="4140802497"/>
+        <p14:creationId xmlns:p14="http://schemas.microsoft.com/office/powerpoint/2010/main" val="40248194"/>
       </p:ext>
     </p:extLst>
   </p:cSld>
@@ -2095,7 +2180,7 @@
     </p:spTree>
     <p:extLst>
       <p:ext uri="{BB962C8B-B14F-4D97-AF65-F5344CB8AC3E}">
-        <p14:creationId xmlns:p14="http://schemas.microsoft.com/office/powerpoint/2010/main" val="2108371924"/>
+        <p14:creationId xmlns:p14="http://schemas.microsoft.com/office/powerpoint/2010/main" val="4140802497"/>
       </p:ext>
     </p:extLst>
   </p:cSld>
@@ -2179,7 +2264,7 @@
     </p:spTree>
     <p:extLst>
       <p:ext uri="{BB962C8B-B14F-4D97-AF65-F5344CB8AC3E}">
-        <p14:creationId xmlns:p14="http://schemas.microsoft.com/office/powerpoint/2010/main" val="247819319"/>
+        <p14:creationId xmlns:p14="http://schemas.microsoft.com/office/powerpoint/2010/main" val="2108371924"/>
       </p:ext>
     </p:extLst>
   </p:cSld>
@@ -2263,7 +2348,7 @@
     </p:spTree>
     <p:extLst>
       <p:ext uri="{BB962C8B-B14F-4D97-AF65-F5344CB8AC3E}">
-        <p14:creationId xmlns:p14="http://schemas.microsoft.com/office/powerpoint/2010/main" val="2113369670"/>
+        <p14:creationId xmlns:p14="http://schemas.microsoft.com/office/powerpoint/2010/main" val="247819319"/>
       </p:ext>
     </p:extLst>
   </p:cSld>
@@ -9033,9 +9118,45 @@
           <a:bodyPr/>
           <a:lstStyle/>
           <a:p>
-            <a:r>
-              <a:rPr lang="en-US" dirty="0"/>
-              <a:t>Predictions and Examples</a:t>
+            <a:pPr algn="l"/>
+            <a:r>
+              <a:rPr lang="en-US" i="0" dirty="0">
+                <a:solidFill>
+                  <a:srgbClr val="0D0D0D"/>
+                </a:solidFill>
+                <a:effectLst/>
+                <a:highlight>
+                  <a:srgbClr val="FFFFFF"/>
+                </a:highlight>
+                <a:latin typeface="Söhne"/>
+              </a:rPr>
+              <a:t>Model</a:t>
+            </a:r>
+            <a:r>
+              <a:rPr lang="en-US" b="1" i="0" dirty="0">
+                <a:solidFill>
+                  <a:srgbClr val="0D0D0D"/>
+                </a:solidFill>
+                <a:effectLst/>
+                <a:highlight>
+                  <a:srgbClr val="FFFFFF"/>
+                </a:highlight>
+                <a:latin typeface="Söhne"/>
+              </a:rPr>
+              <a:t> </a:t>
+            </a:r>
+            <a:r>
+              <a:rPr lang="en-US" i="0" dirty="0">
+                <a:solidFill>
+                  <a:srgbClr val="0D0D0D"/>
+                </a:solidFill>
+                <a:effectLst/>
+                <a:highlight>
+                  <a:srgbClr val="FFFFFF"/>
+                </a:highlight>
+                <a:latin typeface="Söhne"/>
+              </a:rPr>
+              <a:t>Evaluation</a:t>
             </a:r>
           </a:p>
         </p:txBody>
@@ -9056,10 +9177,15 @@
             <p:ph idx="1"/>
           </p:nvPr>
         </p:nvSpPr>
-        <p:spPr/>
+        <p:spPr>
+          <a:xfrm>
+            <a:off x="0" y="1551688"/>
+            <a:ext cx="4681330" cy="3754624"/>
+          </a:xfrm>
+        </p:spPr>
         <p:txBody>
           <a:bodyPr>
-            <a:normAutofit/>
+            <a:normAutofit fontScale="92500" lnSpcReduction="20000"/>
           </a:bodyPr>
           <a:lstStyle/>
           <a:p>
@@ -9081,7 +9207,7 @@
                 </a:highlight>
                 <a:latin typeface="Söhne"/>
               </a:rPr>
-              <a:t>Predictions</a:t>
+              <a:t>Evaluation Metrics</a:t>
             </a:r>
             <a:r>
               <a:rPr lang="en-US" b="0" i="0" dirty="0">
@@ -9094,7 +9220,7 @@
                 </a:highlight>
                 <a:latin typeface="Söhne"/>
               </a:rPr>
-              <a:t>: Show examples of text reviews and their predicted sentiments.</a:t>
+              <a:t>: Define the metrics used such as accuracy and loss.</a:t>
             </a:r>
           </a:p>
           <a:p>
@@ -9116,7 +9242,7 @@
                 </a:highlight>
                 <a:latin typeface="Söhne"/>
               </a:rPr>
-              <a:t>Visuals</a:t>
+              <a:t>Performance Overview</a:t>
             </a:r>
             <a:r>
               <a:rPr lang="en-US" b="0" i="0" dirty="0">
@@ -9129,7 +9255,7 @@
                 </a:highlight>
                 <a:latin typeface="Söhne"/>
               </a:rPr>
-              <a:t>: Consider including screenshots or snippets of the output predictions.</a:t>
+              <a:t>: Share results from the model performance on validation data.</a:t>
             </a:r>
           </a:p>
           <a:p>
@@ -9164,7 +9290,7 @@
                 </a:highlight>
                 <a:latin typeface="Söhne"/>
               </a:rPr>
-              <a:t>: Demonstrate the practical application and accuracy of the model.</a:t>
+              <a:t>: Assess the effectiveness of the trained model.</a:t>
             </a:r>
           </a:p>
         </p:txBody>
@@ -9329,10 +9455,70 @@
           </a:p>
         </p:txBody>
       </p:sp>
+      <p:pic>
+        <p:nvPicPr>
+          <p:cNvPr id="6" name="Picture 5" descr="A screenshot of a computer program&#10;&#10;Description automatically generated">
+            <a:extLst>
+              <a:ext uri="{FF2B5EF4-FFF2-40B4-BE49-F238E27FC236}">
+                <a16:creationId xmlns:a16="http://schemas.microsoft.com/office/drawing/2014/main" id="{1D514DCE-4264-C24D-5C9A-0A5F476E63D7}"/>
+              </a:ext>
+            </a:extLst>
+          </p:cNvPr>
+          <p:cNvPicPr>
+            <a:picLocks noChangeAspect="1"/>
+          </p:cNvPicPr>
+          <p:nvPr/>
+        </p:nvPicPr>
+        <p:blipFill>
+          <a:blip r:embed="rId3"/>
+          <a:stretch>
+            <a:fillRect/>
+          </a:stretch>
+        </p:blipFill>
+        <p:spPr>
+          <a:xfrm>
+            <a:off x="4878450" y="1888053"/>
+            <a:ext cx="5639289" cy="1173582"/>
+          </a:xfrm>
+          <a:prstGeom prst="rect">
+            <a:avLst/>
+          </a:prstGeom>
+        </p:spPr>
+      </p:pic>
+      <p:pic>
+        <p:nvPicPr>
+          <p:cNvPr id="8" name="Picture 7" descr="A graph with blue and orange lines&#10;&#10;Description automatically generated">
+            <a:extLst>
+              <a:ext uri="{FF2B5EF4-FFF2-40B4-BE49-F238E27FC236}">
+                <a16:creationId xmlns:a16="http://schemas.microsoft.com/office/drawing/2014/main" id="{DC151643-E8B3-0DF9-3336-36130E25CAA7}"/>
+              </a:ext>
+            </a:extLst>
+          </p:cNvPr>
+          <p:cNvPicPr>
+            <a:picLocks noChangeAspect="1"/>
+          </p:cNvPicPr>
+          <p:nvPr/>
+        </p:nvPicPr>
+        <p:blipFill>
+          <a:blip r:embed="rId4"/>
+          <a:stretch>
+            <a:fillRect/>
+          </a:stretch>
+        </p:blipFill>
+        <p:spPr>
+          <a:xfrm>
+            <a:off x="5492095" y="3101391"/>
+            <a:ext cx="4037153" cy="2791712"/>
+          </a:xfrm>
+          <a:prstGeom prst="rect">
+            <a:avLst/>
+          </a:prstGeom>
+        </p:spPr>
+      </p:pic>
     </p:spTree>
     <p:extLst>
       <p:ext uri="{BB962C8B-B14F-4D97-AF65-F5344CB8AC3E}">
-        <p14:creationId xmlns:p14="http://schemas.microsoft.com/office/powerpoint/2010/main" val="678396939"/>
+        <p14:creationId xmlns:p14="http://schemas.microsoft.com/office/powerpoint/2010/main" val="1509911529"/>
       </p:ext>
     </p:extLst>
   </p:cSld>
@@ -9382,7 +9568,7 @@
           <a:p>
             <a:r>
               <a:rPr lang="en-US" dirty="0"/>
-              <a:t>Flask App</a:t>
+              <a:t>Predictions and Examples</a:t>
             </a:r>
           </a:p>
         </p:txBody>
@@ -9403,10 +9589,15 @@
             <p:ph idx="1"/>
           </p:nvPr>
         </p:nvSpPr>
-        <p:spPr/>
+        <p:spPr>
+          <a:xfrm>
+            <a:off x="0" y="1373967"/>
+            <a:ext cx="5146807" cy="3535963"/>
+          </a:xfrm>
+        </p:spPr>
         <p:txBody>
           <a:bodyPr>
-            <a:normAutofit/>
+            <a:normAutofit fontScale="85000" lnSpcReduction="10000"/>
           </a:bodyPr>
           <a:lstStyle/>
           <a:p>
@@ -9428,7 +9619,7 @@
                 </a:highlight>
                 <a:latin typeface="Söhne"/>
               </a:rPr>
-              <a:t>Purpose</a:t>
+              <a:t>Predictions</a:t>
             </a:r>
             <a:r>
               <a:rPr lang="en-US" b="0" i="0" dirty="0">
@@ -9441,32 +9632,7 @@
                 </a:highlight>
                 <a:latin typeface="Söhne"/>
               </a:rPr>
-              <a:t>: </a:t>
-            </a:r>
-            <a:r>
-              <a:rPr lang="en-US" dirty="0">
-                <a:solidFill>
-                  <a:srgbClr val="0D0D0D"/>
-                </a:solidFill>
-                <a:highlight>
-                  <a:srgbClr val="FFFFFF"/>
-                </a:highlight>
-                <a:latin typeface="Söhne"/>
-              </a:rPr>
-              <a:t>T</a:t>
-            </a:r>
-            <a:r>
-              <a:rPr lang="en-US" b="0" i="0" dirty="0">
-                <a:solidFill>
-                  <a:srgbClr val="0D0D0D"/>
-                </a:solidFill>
-                <a:effectLst/>
-                <a:highlight>
-                  <a:srgbClr val="FFFFFF"/>
-                </a:highlight>
-                <a:latin typeface="Söhne"/>
-              </a:rPr>
-              <a:t>he Flask application in sentiment analysis.</a:t>
+              <a:t>: Show examples of text reviews and their predicted sentiments.</a:t>
             </a:r>
           </a:p>
           <a:p>
@@ -9488,7 +9654,7 @@
                 </a:highlight>
                 <a:latin typeface="Söhne"/>
               </a:rPr>
-              <a:t>Functionality</a:t>
+              <a:t>Visuals</a:t>
             </a:r>
             <a:r>
               <a:rPr lang="en-US" b="0" i="0" dirty="0">
@@ -9501,7 +9667,7 @@
                 </a:highlight>
                 <a:latin typeface="Söhne"/>
               </a:rPr>
-              <a:t>: It analyzes user-submitted reviews in real-time and predicts sentiment as positive or negative.</a:t>
+              <a:t>: Consider including screenshots or snippets of the output predictions.</a:t>
             </a:r>
           </a:p>
           <a:p>
@@ -9523,7 +9689,7 @@
                 </a:highlight>
                 <a:latin typeface="Söhne"/>
               </a:rPr>
-              <a:t>User Interaction</a:t>
+              <a:t>Purpose</a:t>
             </a:r>
             <a:r>
               <a:rPr lang="en-US" b="0" i="0" dirty="0">
@@ -9536,7 +9702,7 @@
                 </a:highlight>
                 <a:latin typeface="Söhne"/>
               </a:rPr>
-              <a:t>: users interact with the application through a web interface.</a:t>
+              <a:t>: Demonstrate the practical application and accuracy of the model.</a:t>
             </a:r>
           </a:p>
         </p:txBody>
@@ -9701,10 +9867,40 @@
           </a:p>
         </p:txBody>
       </p:sp>
+      <p:pic>
+        <p:nvPicPr>
+          <p:cNvPr id="6" name="Picture 5" descr="A screenshot of a computer&#10;&#10;Description automatically generated">
+            <a:extLst>
+              <a:ext uri="{FF2B5EF4-FFF2-40B4-BE49-F238E27FC236}">
+                <a16:creationId xmlns:a16="http://schemas.microsoft.com/office/drawing/2014/main" id="{455608C9-FE7E-C6D7-BBD1-E087F0644C29}"/>
+              </a:ext>
+            </a:extLst>
+          </p:cNvPr>
+          <p:cNvPicPr>
+            <a:picLocks noChangeAspect="1"/>
+          </p:cNvPicPr>
+          <p:nvPr/>
+        </p:nvPicPr>
+        <p:blipFill>
+          <a:blip r:embed="rId3"/>
+          <a:stretch>
+            <a:fillRect/>
+          </a:stretch>
+        </p:blipFill>
+        <p:spPr>
+          <a:xfrm>
+            <a:off x="5651906" y="1690688"/>
+            <a:ext cx="4503810" cy="2522439"/>
+          </a:xfrm>
+          <a:prstGeom prst="rect">
+            <a:avLst/>
+          </a:prstGeom>
+        </p:spPr>
+      </p:pic>
     </p:spTree>
     <p:extLst>
       <p:ext uri="{BB962C8B-B14F-4D97-AF65-F5344CB8AC3E}">
-        <p14:creationId xmlns:p14="http://schemas.microsoft.com/office/powerpoint/2010/main" val="2357939462"/>
+        <p14:creationId xmlns:p14="http://schemas.microsoft.com/office/powerpoint/2010/main" val="678396939"/>
       </p:ext>
     </p:extLst>
   </p:cSld>
@@ -9775,7 +9971,12 @@
             <p:ph idx="1"/>
           </p:nvPr>
         </p:nvSpPr>
-        <p:spPr/>
+        <p:spPr>
+          <a:xfrm>
+            <a:off x="-198783" y="1690688"/>
+            <a:ext cx="5913783" cy="4322486"/>
+          </a:xfrm>
+        </p:spPr>
         <p:txBody>
           <a:bodyPr>
             <a:normAutofit/>
@@ -9784,7 +9985,7 @@
           <a:p>
             <a:pPr lvl="1">
               <a:lnSpc>
-                <a:spcPct val="200000"/>
+                <a:spcPct val="250000"/>
               </a:lnSpc>
               <a:buFont typeface="Arial" panose="020B0604020202020204" pitchFamily="34" charset="0"/>
               <a:buChar char="•"/>
@@ -9800,7 +10001,7 @@
                 </a:highlight>
                 <a:latin typeface="Söhne"/>
               </a:rPr>
-              <a:t>Technologies Used</a:t>
+              <a:t>Purpose</a:t>
             </a:r>
             <a:r>
               <a:rPr lang="en-US" b="0" i="0" dirty="0">
@@ -9813,17 +10014,20 @@
                 </a:highlight>
                 <a:latin typeface="Söhne"/>
               </a:rPr>
-              <a:t>:</a:t>
-            </a:r>
-          </a:p>
-          <a:p>
-            <a:pPr marL="1200150" lvl="2" indent="-285750">
-              <a:lnSpc>
-                <a:spcPct val="200000"/>
-              </a:lnSpc>
-              <a:buFont typeface="Arial" panose="020B0604020202020204" pitchFamily="34" charset="0"/>
-              <a:buChar char="•"/>
-            </a:pPr>
+              <a:t>: </a:t>
+            </a:r>
+            <a:r>
+              <a:rPr lang="en-US" dirty="0">
+                <a:solidFill>
+                  <a:srgbClr val="0D0D0D"/>
+                </a:solidFill>
+                <a:highlight>
+                  <a:srgbClr val="FFFFFF"/>
+                </a:highlight>
+                <a:latin typeface="Söhne"/>
+              </a:rPr>
+              <a:t>T</a:t>
+            </a:r>
             <a:r>
               <a:rPr lang="en-US" b="0" i="0" dirty="0">
                 <a:solidFill>
@@ -9835,19 +10039,19 @@
                 </a:highlight>
                 <a:latin typeface="Söhne"/>
               </a:rPr>
-              <a:t>Flask for the web framework.</a:t>
-            </a:r>
-          </a:p>
-          <a:p>
-            <a:pPr marL="1200150" lvl="2" indent="-285750">
+              <a:t>he Flask application in sentiment analysis.</a:t>
+            </a:r>
+          </a:p>
+          <a:p>
+            <a:pPr lvl="1">
               <a:lnSpc>
-                <a:spcPct val="200000"/>
+                <a:spcPct val="250000"/>
               </a:lnSpc>
               <a:buFont typeface="Arial" panose="020B0604020202020204" pitchFamily="34" charset="0"/>
               <a:buChar char="•"/>
             </a:pPr>
             <a:r>
-              <a:rPr lang="en-US" b="0" i="0" dirty="0">
+              <a:rPr lang="en-US" b="1" i="0" dirty="0">
                 <a:solidFill>
                   <a:srgbClr val="0D0D0D"/>
                 </a:solidFill>
@@ -9857,10 +10061,10 @@
                 </a:highlight>
                 <a:latin typeface="Söhne"/>
               </a:rPr>
-              <a:t>TensorFlow/</a:t>
-            </a:r>
-            <a:r>
-              <a:rPr lang="en-US" b="0" i="0" dirty="0" err="1">
+              <a:t>Functionality</a:t>
+            </a:r>
+            <a:r>
+              <a:rPr lang="en-US" b="0" i="0" dirty="0">
                 <a:solidFill>
                   <a:srgbClr val="0D0D0D"/>
                 </a:solidFill>
@@ -9870,10 +10074,19 @@
                 </a:highlight>
                 <a:latin typeface="Söhne"/>
               </a:rPr>
-              <a:t>Keras</a:t>
-            </a:r>
-            <a:r>
-              <a:rPr lang="en-US" b="0" i="0" dirty="0">
+              <a:t>: It analyzes user-submitted reviews in real-time and predicts sentiment as positive or negative.</a:t>
+            </a:r>
+          </a:p>
+          <a:p>
+            <a:pPr lvl="1">
+              <a:lnSpc>
+                <a:spcPct val="250000"/>
+              </a:lnSpc>
+              <a:buFont typeface="Arial" panose="020B0604020202020204" pitchFamily="34" charset="0"/>
+              <a:buChar char="•"/>
+            </a:pPr>
+            <a:r>
+              <a:rPr lang="en-US" b="1" i="0" dirty="0">
                 <a:solidFill>
                   <a:srgbClr val="0D0D0D"/>
                 </a:solidFill>
@@ -9883,17 +10096,8 @@
                 </a:highlight>
                 <a:latin typeface="Söhne"/>
               </a:rPr>
-              <a:t> for handling the machine learning model.</a:t>
-            </a:r>
-          </a:p>
-          <a:p>
-            <a:pPr marL="1200150" lvl="2" indent="-285750">
-              <a:lnSpc>
-                <a:spcPct val="200000"/>
-              </a:lnSpc>
-              <a:buFont typeface="Arial" panose="020B0604020202020204" pitchFamily="34" charset="0"/>
-              <a:buChar char="•"/>
-            </a:pPr>
+              <a:t>User Interaction</a:t>
+            </a:r>
             <a:r>
               <a:rPr lang="en-US" b="0" i="0" dirty="0">
                 <a:solidFill>
@@ -9905,42 +10109,7 @@
                 </a:highlight>
                 <a:latin typeface="Söhne"/>
               </a:rPr>
-              <a:t>Pickle for loading pre-processed data.</a:t>
-            </a:r>
-          </a:p>
-          <a:p>
-            <a:pPr lvl="1">
-              <a:lnSpc>
-                <a:spcPct val="200000"/>
-              </a:lnSpc>
-              <a:buFont typeface="Arial" panose="020B0604020202020204" pitchFamily="34" charset="0"/>
-              <a:buChar char="•"/>
-            </a:pPr>
-            <a:r>
-              <a:rPr lang="en-US" b="1" i="0" dirty="0">
-                <a:solidFill>
-                  <a:srgbClr val="0D0D0D"/>
-                </a:solidFill>
-                <a:effectLst/>
-                <a:highlight>
-                  <a:srgbClr val="FFFFFF"/>
-                </a:highlight>
-                <a:latin typeface="Söhne"/>
-              </a:rPr>
-              <a:t>Frontend</a:t>
-            </a:r>
-            <a:r>
-              <a:rPr lang="en-US" b="0" i="0" dirty="0">
-                <a:solidFill>
-                  <a:srgbClr val="0D0D0D"/>
-                </a:solidFill>
-                <a:effectLst/>
-                <a:highlight>
-                  <a:srgbClr val="FFFFFF"/>
-                </a:highlight>
-                <a:latin typeface="Söhne"/>
-              </a:rPr>
-              <a:t>: HTML/CSS for the web interface design.</a:t>
+              <a:t>: users interact with the application through a web interface.</a:t>
             </a:r>
           </a:p>
         </p:txBody>
@@ -10105,10 +10274,40 @@
           </a:p>
         </p:txBody>
       </p:sp>
+      <p:pic>
+        <p:nvPicPr>
+          <p:cNvPr id="6" name="Picture 5" descr="A screenshot of a computer&#10;&#10;Description automatically generated">
+            <a:extLst>
+              <a:ext uri="{FF2B5EF4-FFF2-40B4-BE49-F238E27FC236}">
+                <a16:creationId xmlns:a16="http://schemas.microsoft.com/office/drawing/2014/main" id="{DDD6B7E4-D5FB-EFA3-E5F6-EB57D7AB07FF}"/>
+              </a:ext>
+            </a:extLst>
+          </p:cNvPr>
+          <p:cNvPicPr>
+            <a:picLocks noChangeAspect="1"/>
+          </p:cNvPicPr>
+          <p:nvPr/>
+        </p:nvPicPr>
+        <p:blipFill>
+          <a:blip r:embed="rId3"/>
+          <a:stretch>
+            <a:fillRect/>
+          </a:stretch>
+        </p:blipFill>
+        <p:spPr>
+          <a:xfrm>
+            <a:off x="5532834" y="1436789"/>
+            <a:ext cx="5111976" cy="4322486"/>
+          </a:xfrm>
+          <a:prstGeom prst="rect">
+            <a:avLst/>
+          </a:prstGeom>
+        </p:spPr>
+      </p:pic>
     </p:spTree>
     <p:extLst>
       <p:ext uri="{BB962C8B-B14F-4D97-AF65-F5344CB8AC3E}">
-        <p14:creationId xmlns:p14="http://schemas.microsoft.com/office/powerpoint/2010/main" val="3773321924"/>
+        <p14:creationId xmlns:p14="http://schemas.microsoft.com/office/powerpoint/2010/main" val="2357939462"/>
       </p:ext>
     </p:extLst>
   </p:cSld>
@@ -10179,54 +10378,17 @@
             <p:ph idx="1"/>
           </p:nvPr>
         </p:nvSpPr>
-        <p:spPr/>
+        <p:spPr>
+          <a:xfrm>
+            <a:off x="-177576" y="1297574"/>
+            <a:ext cx="5466523" cy="4262851"/>
+          </a:xfrm>
+        </p:spPr>
         <p:txBody>
           <a:bodyPr>
-            <a:normAutofit fontScale="92500" lnSpcReduction="10000"/>
+            <a:normAutofit/>
           </a:bodyPr>
           <a:lstStyle/>
-          <a:p>
-            <a:pPr marL="457200" lvl="1" indent="0">
-              <a:lnSpc>
-                <a:spcPct val="200000"/>
-              </a:lnSpc>
-              <a:buNone/>
-            </a:pPr>
-            <a:r>
-              <a:rPr lang="en-US" b="1" i="0" dirty="0">
-                <a:solidFill>
-                  <a:srgbClr val="0D0D0D"/>
-                </a:solidFill>
-                <a:effectLst/>
-                <a:highlight>
-                  <a:srgbClr val="FFFFFF"/>
-                </a:highlight>
-                <a:latin typeface="Söhne"/>
-              </a:rPr>
-              <a:t>Flask Application Structure</a:t>
-            </a:r>
-          </a:p>
-          <a:p>
-            <a:pPr marL="457200" lvl="1" indent="0">
-              <a:lnSpc>
-                <a:spcPct val="200000"/>
-              </a:lnSpc>
-              <a:buNone/>
-            </a:pPr>
-            <a:r>
-              <a:rPr lang="en-US" b="1" i="0" dirty="0">
-                <a:solidFill>
-                  <a:srgbClr val="0D0D0D"/>
-                </a:solidFill>
-                <a:effectLst/>
-                <a:highlight>
-                  <a:srgbClr val="FFFFFF"/>
-                </a:highlight>
-                <a:latin typeface="Söhne"/>
-              </a:rPr>
-              <a:t>Key Components:</a:t>
-            </a:r>
-          </a:p>
           <a:p>
             <a:pPr lvl="1">
               <a:lnSpc>
@@ -10246,10 +10408,10 @@
                 </a:highlight>
                 <a:latin typeface="Söhne"/>
               </a:rPr>
-              <a:t>app.py: </a:t>
-            </a:r>
-            <a:r>
-              <a:rPr lang="en-US" i="0" dirty="0">
+              <a:t>Technologies Used</a:t>
+            </a:r>
+            <a:r>
+              <a:rPr lang="en-US" b="0" i="0" dirty="0">
                 <a:solidFill>
                   <a:srgbClr val="0D0D0D"/>
                 </a:solidFill>
@@ -10259,10 +10421,19 @@
                 </a:highlight>
                 <a:latin typeface="Söhne"/>
               </a:rPr>
-              <a:t>Contains routes and model loading logic</a:t>
-            </a:r>
-            <a:r>
-              <a:rPr lang="en-US" b="1" i="0" dirty="0">
+              <a:t>:</a:t>
+            </a:r>
+          </a:p>
+          <a:p>
+            <a:pPr marL="1200150" lvl="2" indent="-285750">
+              <a:lnSpc>
+                <a:spcPct val="200000"/>
+              </a:lnSpc>
+              <a:buFont typeface="Arial" panose="020B0604020202020204" pitchFamily="34" charset="0"/>
+              <a:buChar char="•"/>
+            </a:pPr>
+            <a:r>
+              <a:rPr lang="en-US" b="0" i="0" dirty="0">
                 <a:solidFill>
                   <a:srgbClr val="0D0D0D"/>
                 </a:solidFill>
@@ -10272,7 +10443,77 @@
                 </a:highlight>
                 <a:latin typeface="Söhne"/>
               </a:rPr>
-              <a:t>.</a:t>
+              <a:t>Flask for the web framework.</a:t>
+            </a:r>
+          </a:p>
+          <a:p>
+            <a:pPr marL="1200150" lvl="2" indent="-285750">
+              <a:lnSpc>
+                <a:spcPct val="200000"/>
+              </a:lnSpc>
+              <a:buFont typeface="Arial" panose="020B0604020202020204" pitchFamily="34" charset="0"/>
+              <a:buChar char="•"/>
+            </a:pPr>
+            <a:r>
+              <a:rPr lang="en-US" b="0" i="0" dirty="0">
+                <a:solidFill>
+                  <a:srgbClr val="0D0D0D"/>
+                </a:solidFill>
+                <a:effectLst/>
+                <a:highlight>
+                  <a:srgbClr val="FFFFFF"/>
+                </a:highlight>
+                <a:latin typeface="Söhne"/>
+              </a:rPr>
+              <a:t>TensorFlow/</a:t>
+            </a:r>
+            <a:r>
+              <a:rPr lang="en-US" b="0" i="0" dirty="0" err="1">
+                <a:solidFill>
+                  <a:srgbClr val="0D0D0D"/>
+                </a:solidFill>
+                <a:effectLst/>
+                <a:highlight>
+                  <a:srgbClr val="FFFFFF"/>
+                </a:highlight>
+                <a:latin typeface="Söhne"/>
+              </a:rPr>
+              <a:t>Keras</a:t>
+            </a:r>
+            <a:r>
+              <a:rPr lang="en-US" b="0" i="0" dirty="0">
+                <a:solidFill>
+                  <a:srgbClr val="0D0D0D"/>
+                </a:solidFill>
+                <a:effectLst/>
+                <a:highlight>
+                  <a:srgbClr val="FFFFFF"/>
+                </a:highlight>
+                <a:latin typeface="Söhne"/>
+              </a:rPr>
+              <a:t> for handling the machine learning model.</a:t>
+            </a:r>
+          </a:p>
+          <a:p>
+            <a:pPr marL="1200150" lvl="2" indent="-285750">
+              <a:lnSpc>
+                <a:spcPct val="200000"/>
+              </a:lnSpc>
+              <a:buFont typeface="Arial" panose="020B0604020202020204" pitchFamily="34" charset="0"/>
+              <a:buChar char="•"/>
+            </a:pPr>
+            <a:r>
+              <a:rPr lang="en-US" b="0" i="0" dirty="0">
+                <a:solidFill>
+                  <a:srgbClr val="0D0D0D"/>
+                </a:solidFill>
+                <a:effectLst/>
+                <a:highlight>
+                  <a:srgbClr val="FFFFFF"/>
+                </a:highlight>
+                <a:latin typeface="Söhne"/>
+              </a:rPr>
+              <a:t>Pickle for loading pre-processed data.</a:t>
             </a:r>
           </a:p>
           <a:p>
@@ -10294,10 +10535,10 @@
                 </a:highlight>
                 <a:latin typeface="Söhne"/>
               </a:rPr>
-              <a:t>sentiment_model.h5: </a:t>
-            </a:r>
-            <a:r>
-              <a:rPr lang="en-US" i="0" dirty="0">
+              <a:t>Frontend</a:t>
+            </a:r>
+            <a:r>
+              <a:rPr lang="en-US" b="0" i="0" dirty="0">
                 <a:solidFill>
                   <a:srgbClr val="0D0D0D"/>
                 </a:solidFill>
@@ -10307,101 +10548,8 @@
                 </a:highlight>
                 <a:latin typeface="Söhne"/>
               </a:rPr>
-              <a:t>The pre-trained machine learning model.</a:t>
-            </a:r>
-          </a:p>
-          <a:p>
-            <a:pPr lvl="1">
-              <a:lnSpc>
-                <a:spcPct val="200000"/>
-              </a:lnSpc>
-              <a:buFont typeface="Arial" panose="020B0604020202020204" pitchFamily="34" charset="0"/>
-              <a:buChar char="•"/>
-            </a:pPr>
-            <a:r>
-              <a:rPr lang="en-US" b="1" i="0" dirty="0" err="1">
-                <a:solidFill>
-                  <a:srgbClr val="0D0D0D"/>
-                </a:solidFill>
-                <a:effectLst/>
-                <a:highlight>
-                  <a:srgbClr val="FFFFFF"/>
-                </a:highlight>
-                <a:latin typeface="Söhne"/>
-              </a:rPr>
-              <a:t>tokenizer.pkl</a:t>
-            </a:r>
-            <a:r>
-              <a:rPr lang="en-US" b="1" i="0" dirty="0">
-                <a:solidFill>
-                  <a:srgbClr val="0D0D0D"/>
-                </a:solidFill>
-                <a:effectLst/>
-                <a:highlight>
-                  <a:srgbClr val="FFFFFF"/>
-                </a:highlight>
-                <a:latin typeface="Söhne"/>
-              </a:rPr>
-              <a:t>: </a:t>
-            </a:r>
-            <a:r>
-              <a:rPr lang="en-US" i="0" dirty="0">
-                <a:solidFill>
-                  <a:srgbClr val="0D0D0D"/>
-                </a:solidFill>
-                <a:effectLst/>
-                <a:highlight>
-                  <a:srgbClr val="FFFFFF"/>
-                </a:highlight>
-                <a:latin typeface="Söhne"/>
-              </a:rPr>
-              <a:t>Used for text preprocessing.</a:t>
-            </a:r>
-          </a:p>
-          <a:p>
-            <a:pPr lvl="1">
-              <a:lnSpc>
-                <a:spcPct val="200000"/>
-              </a:lnSpc>
-              <a:buFont typeface="Arial" panose="020B0604020202020204" pitchFamily="34" charset="0"/>
-              <a:buChar char="•"/>
-            </a:pPr>
-            <a:r>
-              <a:rPr lang="en-US" i="0" dirty="0">
-                <a:solidFill>
-                  <a:srgbClr val="0D0D0D"/>
-                </a:solidFill>
-                <a:effectLst/>
-                <a:highlight>
-                  <a:srgbClr val="FFFFFF"/>
-                </a:highlight>
-                <a:latin typeface="Söhne"/>
-              </a:rPr>
-              <a:t>HTML templates for the user interface</a:t>
-            </a:r>
-            <a:r>
-              <a:rPr lang="en-US" b="1" i="0" dirty="0">
-                <a:solidFill>
-                  <a:srgbClr val="0D0D0D"/>
-                </a:solidFill>
-                <a:effectLst/>
-                <a:highlight>
-                  <a:srgbClr val="FFFFFF"/>
-                </a:highlight>
-                <a:latin typeface="Söhne"/>
-              </a:rPr>
-              <a:t>.</a:t>
-            </a:r>
-            <a:endParaRPr lang="en-US" b="0" i="0" dirty="0">
-              <a:solidFill>
-                <a:srgbClr val="0D0D0D"/>
-              </a:solidFill>
-              <a:effectLst/>
-              <a:highlight>
-                <a:srgbClr val="FFFFFF"/>
-              </a:highlight>
-              <a:latin typeface="Söhne"/>
-            </a:endParaRPr>
+              <a:t>: HTML/CSS for the web interface design.</a:t>
+            </a:r>
           </a:p>
         </p:txBody>
       </p:sp>
@@ -10565,10 +10713,40 @@
           </a:p>
         </p:txBody>
       </p:sp>
+      <p:pic>
+        <p:nvPicPr>
+          <p:cNvPr id="6" name="Picture 5" descr="A screenshot of a computer program&#10;&#10;Description automatically generated">
+            <a:extLst>
+              <a:ext uri="{FF2B5EF4-FFF2-40B4-BE49-F238E27FC236}">
+                <a16:creationId xmlns:a16="http://schemas.microsoft.com/office/drawing/2014/main" id="{ADFA787C-1F07-176E-A5F5-5920964C76B0}"/>
+              </a:ext>
+            </a:extLst>
+          </p:cNvPr>
+          <p:cNvPicPr>
+            <a:picLocks noChangeAspect="1"/>
+          </p:cNvPicPr>
+          <p:nvPr/>
+        </p:nvPicPr>
+        <p:blipFill>
+          <a:blip r:embed="rId3"/>
+          <a:stretch>
+            <a:fillRect/>
+          </a:stretch>
+        </p:blipFill>
+        <p:spPr>
+          <a:xfrm>
+            <a:off x="5288948" y="1690688"/>
+            <a:ext cx="5229230" cy="3249060"/>
+          </a:xfrm>
+          <a:prstGeom prst="rect">
+            <a:avLst/>
+          </a:prstGeom>
+        </p:spPr>
+      </p:pic>
     </p:spTree>
     <p:extLst>
       <p:ext uri="{BB962C8B-B14F-4D97-AF65-F5344CB8AC3E}">
-        <p14:creationId xmlns:p14="http://schemas.microsoft.com/office/powerpoint/2010/main" val="3457924398"/>
+        <p14:creationId xmlns:p14="http://schemas.microsoft.com/office/powerpoint/2010/main" val="3773321924"/>
       </p:ext>
     </p:extLst>
   </p:cSld>
@@ -10639,12 +10817,59 @@
             <p:ph idx="1"/>
           </p:nvPr>
         </p:nvSpPr>
-        <p:spPr/>
+        <p:spPr>
+          <a:xfrm>
+            <a:off x="-1" y="1443540"/>
+            <a:ext cx="6331227" cy="4092555"/>
+          </a:xfrm>
+        </p:spPr>
         <p:txBody>
           <a:bodyPr>
-            <a:normAutofit/>
+            <a:normAutofit lnSpcReduction="10000"/>
           </a:bodyPr>
           <a:lstStyle/>
+          <a:p>
+            <a:pPr marL="457200" lvl="1" indent="0">
+              <a:lnSpc>
+                <a:spcPct val="200000"/>
+              </a:lnSpc>
+              <a:buNone/>
+            </a:pPr>
+            <a:r>
+              <a:rPr lang="en-US" b="1" i="0" dirty="0">
+                <a:solidFill>
+                  <a:srgbClr val="0D0D0D"/>
+                </a:solidFill>
+                <a:effectLst/>
+                <a:highlight>
+                  <a:srgbClr val="FFFFFF"/>
+                </a:highlight>
+                <a:latin typeface="Söhne"/>
+              </a:rPr>
+              <a:t>Flask Application Structure</a:t>
+            </a:r>
+          </a:p>
+          <a:p>
+            <a:pPr marL="457200" lvl="1" indent="0">
+              <a:lnSpc>
+                <a:spcPct val="200000"/>
+              </a:lnSpc>
+              <a:buNone/>
+            </a:pPr>
+            <a:r>
+              <a:rPr lang="en-US" b="1" i="0" dirty="0">
+                <a:solidFill>
+                  <a:srgbClr val="0D0D0D"/>
+                </a:solidFill>
+                <a:effectLst/>
+                <a:highlight>
+                  <a:srgbClr val="FFFFFF"/>
+                </a:highlight>
+                <a:latin typeface="Söhne"/>
+              </a:rPr>
+              <a:t>Key Components:</a:t>
+            </a:r>
+          </a:p>
           <a:p>
             <a:pPr lvl="1">
               <a:lnSpc>
@@ -10664,10 +10889,10 @@
                 </a:highlight>
                 <a:latin typeface="Söhne"/>
               </a:rPr>
-              <a:t> Installation Steps</a:t>
-            </a:r>
-            <a:r>
-              <a:rPr lang="en-US" b="0" i="0" dirty="0">
+              <a:t>app.py: </a:t>
+            </a:r>
+            <a:r>
+              <a:rPr lang="en-US" i="0" dirty="0">
                 <a:solidFill>
                   <a:srgbClr val="0D0D0D"/>
                 </a:solidFill>
@@ -10677,19 +10902,10 @@
                 </a:highlight>
                 <a:latin typeface="Söhne"/>
               </a:rPr>
-              <a:t>:</a:t>
-            </a:r>
-          </a:p>
-          <a:p>
-            <a:pPr marL="1200150" lvl="2" indent="-285750">
-              <a:lnSpc>
-                <a:spcPct val="200000"/>
-              </a:lnSpc>
-              <a:buFont typeface="Arial" panose="020B0604020202020204" pitchFamily="34" charset="0"/>
-              <a:buChar char="•"/>
-            </a:pPr>
-            <a:r>
-              <a:rPr lang="en-US" b="0" i="0" dirty="0">
+              <a:t>Contains routes and model loading logic</a:t>
+            </a:r>
+            <a:r>
+              <a:rPr lang="en-US" b="1" i="0" dirty="0">
                 <a:solidFill>
                   <a:srgbClr val="0D0D0D"/>
                 </a:solidFill>
@@ -10699,29 +10915,7 @@
                 </a:highlight>
                 <a:latin typeface="Söhne"/>
               </a:rPr>
-              <a:t>Clone the repository and install dependencies.</a:t>
-            </a:r>
-          </a:p>
-          <a:p>
-            <a:pPr marL="1200150" lvl="2" indent="-285750">
-              <a:lnSpc>
-                <a:spcPct val="200000"/>
-              </a:lnSpc>
-              <a:buFont typeface="Arial" panose="020B0604020202020204" pitchFamily="34" charset="0"/>
-              <a:buChar char="•"/>
-            </a:pPr>
-            <a:r>
-              <a:rPr lang="en-US" b="0" i="0" dirty="0">
-                <a:solidFill>
-                  <a:srgbClr val="0D0D0D"/>
-                </a:solidFill>
-                <a:effectLst/>
-                <a:highlight>
-                  <a:srgbClr val="FFFFFF"/>
-                </a:highlight>
-                <a:latin typeface="Söhne"/>
-              </a:rPr>
-              <a:t>Specific commands for setting up the environment and dependencies.</a:t>
+              <a:t>.</a:t>
             </a:r>
           </a:p>
           <a:p>
@@ -10743,10 +10937,10 @@
                 </a:highlight>
                 <a:latin typeface="Söhne"/>
               </a:rPr>
-              <a:t> Running the Application</a:t>
-            </a:r>
-            <a:r>
-              <a:rPr lang="en-US" b="0" i="0" dirty="0">
+              <a:t>sentiment_model.h5: </a:t>
+            </a:r>
+            <a:r>
+              <a:rPr lang="en-US" i="0" dirty="0">
                 <a:solidFill>
                   <a:srgbClr val="0D0D0D"/>
                 </a:solidFill>
@@ -10756,8 +10950,101 @@
                 </a:highlight>
                 <a:latin typeface="Söhne"/>
               </a:rPr>
-              <a:t>: Step-by-step guide to launching the Flask app locally.</a:t>
-            </a:r>
+              <a:t>The pre-trained machine learning model.</a:t>
+            </a:r>
+          </a:p>
+          <a:p>
+            <a:pPr lvl="1">
+              <a:lnSpc>
+                <a:spcPct val="200000"/>
+              </a:lnSpc>
+              <a:buFont typeface="Arial" panose="020B0604020202020204" pitchFamily="34" charset="0"/>
+              <a:buChar char="•"/>
+            </a:pPr>
+            <a:r>
+              <a:rPr lang="en-US" b="1" i="0" dirty="0" err="1">
+                <a:solidFill>
+                  <a:srgbClr val="0D0D0D"/>
+                </a:solidFill>
+                <a:effectLst/>
+                <a:highlight>
+                  <a:srgbClr val="FFFFFF"/>
+                </a:highlight>
+                <a:latin typeface="Söhne"/>
+              </a:rPr>
+              <a:t>tokenizer.pkl</a:t>
+            </a:r>
+            <a:r>
+              <a:rPr lang="en-US" b="1" i="0" dirty="0">
+                <a:solidFill>
+                  <a:srgbClr val="0D0D0D"/>
+                </a:solidFill>
+                <a:effectLst/>
+                <a:highlight>
+                  <a:srgbClr val="FFFFFF"/>
+                </a:highlight>
+                <a:latin typeface="Söhne"/>
+              </a:rPr>
+              <a:t>: </a:t>
+            </a:r>
+            <a:r>
+              <a:rPr lang="en-US" i="0" dirty="0">
+                <a:solidFill>
+                  <a:srgbClr val="0D0D0D"/>
+                </a:solidFill>
+                <a:effectLst/>
+                <a:highlight>
+                  <a:srgbClr val="FFFFFF"/>
+                </a:highlight>
+                <a:latin typeface="Söhne"/>
+              </a:rPr>
+              <a:t>Used for text preprocessing.</a:t>
+            </a:r>
+          </a:p>
+          <a:p>
+            <a:pPr lvl="1">
+              <a:lnSpc>
+                <a:spcPct val="200000"/>
+              </a:lnSpc>
+              <a:buFont typeface="Arial" panose="020B0604020202020204" pitchFamily="34" charset="0"/>
+              <a:buChar char="•"/>
+            </a:pPr>
+            <a:r>
+              <a:rPr lang="en-US" i="0" dirty="0">
+                <a:solidFill>
+                  <a:srgbClr val="0D0D0D"/>
+                </a:solidFill>
+                <a:effectLst/>
+                <a:highlight>
+                  <a:srgbClr val="FFFFFF"/>
+                </a:highlight>
+                <a:latin typeface="Söhne"/>
+              </a:rPr>
+              <a:t>HTML templates for the user interface</a:t>
+            </a:r>
+            <a:r>
+              <a:rPr lang="en-US" b="1" i="0" dirty="0">
+                <a:solidFill>
+                  <a:srgbClr val="0D0D0D"/>
+                </a:solidFill>
+                <a:effectLst/>
+                <a:highlight>
+                  <a:srgbClr val="FFFFFF"/>
+                </a:highlight>
+                <a:latin typeface="Söhne"/>
+              </a:rPr>
+              <a:t>.</a:t>
+            </a:r>
+            <a:endParaRPr lang="en-US" b="0" i="0" dirty="0">
+              <a:solidFill>
+                <a:srgbClr val="0D0D0D"/>
+              </a:solidFill>
+              <a:effectLst/>
+              <a:highlight>
+                <a:srgbClr val="FFFFFF"/>
+              </a:highlight>
+              <a:latin typeface="Söhne"/>
+            </a:endParaRPr>
           </a:p>
         </p:txBody>
       </p:sp>
@@ -10921,10 +11208,40 @@
           </a:p>
         </p:txBody>
       </p:sp>
+      <p:pic>
+        <p:nvPicPr>
+          <p:cNvPr id="6" name="Picture 5" descr="A screenshot of a computer&#10;&#10;Description automatically generated">
+            <a:extLst>
+              <a:ext uri="{FF2B5EF4-FFF2-40B4-BE49-F238E27FC236}">
+                <a16:creationId xmlns:a16="http://schemas.microsoft.com/office/drawing/2014/main" id="{00BA63C2-9E9B-5638-93C2-1D7D05C4E6A1}"/>
+              </a:ext>
+            </a:extLst>
+          </p:cNvPr>
+          <p:cNvPicPr>
+            <a:picLocks noChangeAspect="1"/>
+          </p:cNvPicPr>
+          <p:nvPr/>
+        </p:nvPicPr>
+        <p:blipFill>
+          <a:blip r:embed="rId3"/>
+          <a:stretch>
+            <a:fillRect/>
+          </a:stretch>
+        </p:blipFill>
+        <p:spPr>
+          <a:xfrm>
+            <a:off x="5998032" y="470123"/>
+            <a:ext cx="3297764" cy="5065972"/>
+          </a:xfrm>
+          <a:prstGeom prst="rect">
+            <a:avLst/>
+          </a:prstGeom>
+        </p:spPr>
+      </p:pic>
     </p:spTree>
     <p:extLst>
       <p:ext uri="{BB962C8B-B14F-4D97-AF65-F5344CB8AC3E}">
-        <p14:creationId xmlns:p14="http://schemas.microsoft.com/office/powerpoint/2010/main" val="3156498020"/>
+        <p14:creationId xmlns:p14="http://schemas.microsoft.com/office/powerpoint/2010/main" val="3457924398"/>
       </p:ext>
     </p:extLst>
   </p:cSld>
@@ -10974,7 +11291,7 @@
           <a:p>
             <a:r>
               <a:rPr lang="en-US" dirty="0"/>
-              <a:t> Cloud Server</a:t>
+              <a:t>Flask App</a:t>
             </a:r>
           </a:p>
         </p:txBody>
@@ -10995,32 +11312,17 @@
             <p:ph idx="1"/>
           </p:nvPr>
         </p:nvSpPr>
-        <p:spPr/>
+        <p:spPr>
+          <a:xfrm>
+            <a:off x="-256755" y="1275543"/>
+            <a:ext cx="6051268" cy="4480181"/>
+          </a:xfrm>
+        </p:spPr>
         <p:txBody>
           <a:bodyPr>
             <a:normAutofit/>
           </a:bodyPr>
           <a:lstStyle/>
-          <a:p>
-            <a:pPr lvl="1">
-              <a:lnSpc>
-                <a:spcPct val="200000"/>
-              </a:lnSpc>
-            </a:pPr>
-            <a:r>
-              <a:rPr lang="en-US" b="1" i="0" dirty="0">
-                <a:solidFill>
-                  <a:srgbClr val="0D0D0D"/>
-                </a:solidFill>
-                <a:effectLst/>
-                <a:highlight>
-                  <a:srgbClr val="FFFFFF"/>
-                </a:highlight>
-                <a:latin typeface="Söhne"/>
-              </a:rPr>
-              <a:t> Deploying Flask Application on AWS EC2</a:t>
-            </a:r>
-          </a:p>
           <a:p>
             <a:pPr lvl="1">
               <a:lnSpc>
@@ -11040,7 +11342,7 @@
                 </a:highlight>
                 <a:latin typeface="Söhne"/>
               </a:rPr>
-              <a:t>Overview of Deployment</a:t>
+              <a:t> Installation Steps</a:t>
             </a:r>
             <a:r>
               <a:rPr lang="en-US" b="0" i="0" dirty="0">
@@ -11075,7 +11377,7 @@
                 </a:highlight>
                 <a:latin typeface="Söhne"/>
               </a:rPr>
-              <a:t>Explanation of choosing Amazon EC2.</a:t>
+              <a:t>Clone the repository and install dependencies.</a:t>
             </a:r>
           </a:p>
           <a:p>
@@ -11097,7 +11399,7 @@
                 </a:highlight>
                 <a:latin typeface="Söhne"/>
               </a:rPr>
-              <a:t>Steps to create an EC2 instance and setup.</a:t>
+              <a:t>Specific commands for setting up the environment and dependencies.</a:t>
             </a:r>
           </a:p>
           <a:p>
@@ -11119,7 +11421,7 @@
                 </a:highlight>
                 <a:latin typeface="Söhne"/>
               </a:rPr>
-              <a:t>Security</a:t>
+              <a:t> Running the Application</a:t>
             </a:r>
             <a:r>
               <a:rPr lang="en-US" b="0" i="0" dirty="0">
@@ -11132,17 +11434,70 @@
                 </a:highlight>
                 <a:latin typeface="Söhne"/>
               </a:rPr>
-              <a:t>: Setting up security groups for SSH and HTTP/HTTPS access.</a:t>
-            </a:r>
-          </a:p>
-          <a:p>
-            <a:pPr lvl="2">
-              <a:lnSpc>
-                <a:spcPct val="200000"/>
-              </a:lnSpc>
-              <a:buFont typeface="Arial" panose="020B0604020202020204" pitchFamily="34" charset="0"/>
-              <a:buChar char="•"/>
-            </a:pPr>
+              <a:t>: </a:t>
+            </a:r>
+            <a:r>
+              <a:rPr lang="en-US" dirty="0">
+                <a:solidFill>
+                  <a:srgbClr val="0D0D0D"/>
+                </a:solidFill>
+                <a:highlight>
+                  <a:srgbClr val="FFFFFF"/>
+                </a:highlight>
+                <a:latin typeface="Söhne"/>
+              </a:rPr>
+              <a:t>G</a:t>
+            </a:r>
+            <a:r>
+              <a:rPr lang="en-US" b="0" i="0" dirty="0">
+                <a:solidFill>
+                  <a:srgbClr val="0D0D0D"/>
+                </a:solidFill>
+                <a:effectLst/>
+                <a:highlight>
+                  <a:srgbClr val="FFFFFF"/>
+                </a:highlight>
+                <a:latin typeface="Söhne"/>
+              </a:rPr>
+              <a:t>uide to launching the Flask app locally.</a:t>
+            </a:r>
+            <a:r>
+              <a:rPr lang="en-US" b="0" i="0" dirty="0">
+                <a:solidFill>
+                  <a:srgbClr val="1F2328"/>
+                </a:solidFill>
+                <a:effectLst/>
+                <a:highlight>
+                  <a:srgbClr val="FFFFFF"/>
+                </a:highlight>
+                <a:latin typeface="-apple-system"/>
+              </a:rPr>
+              <a:t> Navigate to </a:t>
+            </a:r>
+            <a:r>
+              <a:rPr lang="en-US" b="0" i="0" u="sng" dirty="0">
+                <a:effectLst/>
+                <a:highlight>
+                  <a:srgbClr val="FFFFFF"/>
+                </a:highlight>
+                <a:latin typeface="-apple-system"/>
+                <a:hlinkClick r:id="rId3"/>
+              </a:rPr>
+              <a:t>http://127.0.0.1:5000/</a:t>
+            </a:r>
+            <a:r>
+              <a:rPr lang="en-US" b="0" i="0" dirty="0">
+                <a:solidFill>
+                  <a:srgbClr val="1F2328"/>
+                </a:solidFill>
+                <a:effectLst/>
+                <a:highlight>
+                  <a:srgbClr val="FFFFFF"/>
+                </a:highlight>
+                <a:latin typeface="-apple-system"/>
+              </a:rPr>
+              <a:t> in your web browser to use the application.</a:t>
+            </a:r>
             <a:endParaRPr lang="en-US" b="0" i="0" dirty="0">
               <a:solidFill>
                 <a:srgbClr val="0D0D0D"/>
@@ -11316,10 +11671,40 @@
           </a:p>
         </p:txBody>
       </p:sp>
+      <p:pic>
+        <p:nvPicPr>
+          <p:cNvPr id="6" name="Picture 5" descr="A screenshot of a computer program&#10;&#10;Description automatically generated">
+            <a:extLst>
+              <a:ext uri="{FF2B5EF4-FFF2-40B4-BE49-F238E27FC236}">
+                <a16:creationId xmlns:a16="http://schemas.microsoft.com/office/drawing/2014/main" id="{03B30D46-8C56-08AF-821E-4E81F947B76A}"/>
+              </a:ext>
+            </a:extLst>
+          </p:cNvPr>
+          <p:cNvPicPr>
+            <a:picLocks noChangeAspect="1"/>
+          </p:cNvPicPr>
+          <p:nvPr/>
+        </p:nvPicPr>
+        <p:blipFill>
+          <a:blip r:embed="rId4"/>
+          <a:stretch>
+            <a:fillRect/>
+          </a:stretch>
+        </p:blipFill>
+        <p:spPr>
+          <a:xfrm>
+            <a:off x="5998707" y="1900739"/>
+            <a:ext cx="4606345" cy="2712955"/>
+          </a:xfrm>
+          <a:prstGeom prst="rect">
+            <a:avLst/>
+          </a:prstGeom>
+        </p:spPr>
+      </p:pic>
     </p:spTree>
     <p:extLst>
       <p:ext uri="{BB962C8B-B14F-4D97-AF65-F5344CB8AC3E}">
-        <p14:creationId xmlns:p14="http://schemas.microsoft.com/office/powerpoint/2010/main" val="2567140850"/>
+        <p14:creationId xmlns:p14="http://schemas.microsoft.com/office/powerpoint/2010/main" val="3156498020"/>
       </p:ext>
     </p:extLst>
   </p:cSld>
@@ -11397,11 +11782,10 @@
           </a:bodyPr>
           <a:lstStyle/>
           <a:p>
-            <a:pPr marL="457200" lvl="1" indent="0">
+            <a:pPr lvl="1">
               <a:lnSpc>
                 <a:spcPct val="200000"/>
               </a:lnSpc>
-              <a:buNone/>
             </a:pPr>
             <a:r>
               <a:rPr lang="en-US" b="1" i="0" dirty="0">
@@ -11414,7 +11798,7 @@
                 </a:highlight>
                 <a:latin typeface="Söhne"/>
               </a:rPr>
-              <a:t> Detailed EC2 Setup</a:t>
+              <a:t> Deploying Flask Application on AWS EC2</a:t>
             </a:r>
           </a:p>
           <a:p>
@@ -11436,7 +11820,7 @@
                 </a:highlight>
                 <a:latin typeface="Söhne"/>
               </a:rPr>
-              <a:t>Steps</a:t>
+              <a:t>Overview of Deployment</a:t>
             </a:r>
             <a:r>
               <a:rPr lang="en-US" b="0" i="0" dirty="0">
@@ -11471,7 +11855,7 @@
                 </a:highlight>
                 <a:latin typeface="Söhne"/>
               </a:rPr>
-              <a:t>Launching the instance with the appropriate AMI and instance type.</a:t>
+              <a:t>Explanation of choosing Amazon EC2.</a:t>
             </a:r>
           </a:p>
           <a:p>
@@ -11493,11 +11877,11 @@
                 </a:highlight>
                 <a:latin typeface="Söhne"/>
               </a:rPr>
-              <a:t>Configuring network settings and security rules.</a:t>
-            </a:r>
-          </a:p>
-          <a:p>
-            <a:pPr marL="1200150" lvl="2" indent="-285750">
+              <a:t>Steps to create an EC2 instance and setup.</a:t>
+            </a:r>
+          </a:p>
+          <a:p>
+            <a:pPr lvl="1">
               <a:lnSpc>
                 <a:spcPct val="200000"/>
               </a:lnSpc>
@@ -11505,7 +11889,7 @@
               <a:buChar char="•"/>
             </a:pPr>
             <a:r>
-              <a:rPr lang="en-US" b="0" i="0" dirty="0">
+              <a:rPr lang="en-US" b="1" i="0" dirty="0">
                 <a:solidFill>
                   <a:srgbClr val="0D0D0D"/>
                 </a:solidFill>
@@ -11515,8 +11899,40 @@
                 </a:highlight>
                 <a:latin typeface="Söhne"/>
               </a:rPr>
-              <a:t>Installing Python and virtual environment setup</a:t>
-            </a:r>
+              <a:t>Security</a:t>
+            </a:r>
+            <a:r>
+              <a:rPr lang="en-US" b="0" i="0" dirty="0">
+                <a:solidFill>
+                  <a:srgbClr val="0D0D0D"/>
+                </a:solidFill>
+                <a:effectLst/>
+                <a:highlight>
+                  <a:srgbClr val="FFFFFF"/>
+                </a:highlight>
+                <a:latin typeface="Söhne"/>
+              </a:rPr>
+              <a:t>: Setting up security groups for SSH and HTTP/HTTPS access.</a:t>
+            </a:r>
+          </a:p>
+          <a:p>
+            <a:pPr lvl="2">
+              <a:lnSpc>
+                <a:spcPct val="200000"/>
+              </a:lnSpc>
+              <a:buFont typeface="Arial" panose="020B0604020202020204" pitchFamily="34" charset="0"/>
+              <a:buChar char="•"/>
+            </a:pPr>
+            <a:endParaRPr lang="en-US" b="0" i="0" dirty="0">
+              <a:solidFill>
+                <a:srgbClr val="0D0D0D"/>
+              </a:solidFill>
+              <a:effectLst/>
+              <a:highlight>
+                <a:srgbClr val="FFFFFF"/>
+              </a:highlight>
+              <a:latin typeface="Söhne"/>
+            </a:endParaRPr>
           </a:p>
         </p:txBody>
       </p:sp>
@@ -11683,7 +12099,7 @@
     </p:spTree>
     <p:extLst>
       <p:ext uri="{BB962C8B-B14F-4D97-AF65-F5344CB8AC3E}">
-        <p14:creationId xmlns:p14="http://schemas.microsoft.com/office/powerpoint/2010/main" val="1476757718"/>
+        <p14:creationId xmlns:p14="http://schemas.microsoft.com/office/powerpoint/2010/main" val="2567140850"/>
       </p:ext>
     </p:extLst>
   </p:cSld>
@@ -11754,21 +12170,16 @@
             <p:ph idx="1"/>
           </p:nvPr>
         </p:nvSpPr>
-        <p:spPr>
-          <a:xfrm>
-            <a:off x="419106" y="1690688"/>
-            <a:ext cx="9741183" cy="3853543"/>
-          </a:xfrm>
-        </p:spPr>
+        <p:spPr/>
         <p:txBody>
           <a:bodyPr>
-            <a:normAutofit fontScale="92500" lnSpcReduction="20000"/>
+            <a:normAutofit/>
           </a:bodyPr>
           <a:lstStyle/>
           <a:p>
             <a:pPr marL="457200" lvl="1" indent="0">
               <a:lnSpc>
-                <a:spcPct val="210000"/>
+                <a:spcPct val="200000"/>
               </a:lnSpc>
               <a:buNone/>
             </a:pPr>
@@ -11783,13 +12194,13 @@
                 </a:highlight>
                 <a:latin typeface="Söhne"/>
               </a:rPr>
-              <a:t>Installing and Running Flask on EC2</a:t>
+              <a:t> Detailed EC2 Setup</a:t>
             </a:r>
           </a:p>
           <a:p>
             <a:pPr lvl="1">
               <a:lnSpc>
-                <a:spcPct val="210000"/>
+                <a:spcPct val="200000"/>
               </a:lnSpc>
               <a:buFont typeface="Arial" panose="020B0604020202020204" pitchFamily="34" charset="0"/>
               <a:buChar char="•"/>
@@ -11805,7 +12216,7 @@
                 </a:highlight>
                 <a:latin typeface="Söhne"/>
               </a:rPr>
-              <a:t>Commands and Configuration</a:t>
+              <a:t>Steps</a:t>
             </a:r>
             <a:r>
               <a:rPr lang="en-US" b="0" i="0" dirty="0">
@@ -11824,7 +12235,7 @@
           <a:p>
             <a:pPr marL="1200150" lvl="2" indent="-285750">
               <a:lnSpc>
-                <a:spcPct val="210000"/>
+                <a:spcPct val="200000"/>
               </a:lnSpc>
               <a:buFont typeface="Arial" panose="020B0604020202020204" pitchFamily="34" charset="0"/>
               <a:buChar char="•"/>
@@ -11840,13 +12251,13 @@
                 </a:highlight>
                 <a:latin typeface="Söhne"/>
               </a:rPr>
-              <a:t>Installation of Flask and other necessary packages.</a:t>
+              <a:t>Launching the instance with the appropriate AMI and instance type.</a:t>
             </a:r>
           </a:p>
           <a:p>
             <a:pPr marL="1200150" lvl="2" indent="-285750">
               <a:lnSpc>
-                <a:spcPct val="210000"/>
+                <a:spcPct val="200000"/>
               </a:lnSpc>
               <a:buFont typeface="Arial" panose="020B0604020202020204" pitchFamily="34" charset="0"/>
               <a:buChar char="•"/>
@@ -11862,10 +12273,19 @@
                 </a:highlight>
                 <a:latin typeface="Söhne"/>
               </a:rPr>
-              <a:t>Steps to run the Flask application using </a:t>
-            </a:r>
-            <a:r>
-              <a:rPr lang="en-US" b="0" i="0" dirty="0" err="1">
+              <a:t>Configuring network settings and security rules.</a:t>
+            </a:r>
+          </a:p>
+          <a:p>
+            <a:pPr marL="1200150" lvl="2" indent="-285750">
+              <a:lnSpc>
+                <a:spcPct val="200000"/>
+              </a:lnSpc>
+              <a:buFont typeface="Arial" panose="020B0604020202020204" pitchFamily="34" charset="0"/>
+              <a:buChar char="•"/>
+            </a:pPr>
+            <a:r>
+              <a:rPr lang="en-US" b="0" i="0" dirty="0">
                 <a:solidFill>
                   <a:srgbClr val="0D0D0D"/>
                 </a:solidFill>
@@ -11875,164 +12295,7 @@
                 </a:highlight>
                 <a:latin typeface="Söhne"/>
               </a:rPr>
-              <a:t>Gunicorn</a:t>
-            </a:r>
-            <a:r>
-              <a:rPr lang="en-US" b="0" i="0" dirty="0">
-                <a:solidFill>
-                  <a:srgbClr val="0D0D0D"/>
-                </a:solidFill>
-                <a:effectLst/>
-                <a:highlight>
-                  <a:srgbClr val="FFFFFF"/>
-                </a:highlight>
-                <a:latin typeface="Söhne"/>
-              </a:rPr>
-              <a:t>.</a:t>
-            </a:r>
-          </a:p>
-          <a:p>
-            <a:pPr lvl="1">
-              <a:lnSpc>
-                <a:spcPct val="210000"/>
-              </a:lnSpc>
-              <a:buFont typeface="Arial" panose="020B0604020202020204" pitchFamily="34" charset="0"/>
-              <a:buChar char="•"/>
-            </a:pPr>
-            <a:r>
-              <a:rPr lang="en-US" b="1" i="0" dirty="0" err="1">
-                <a:solidFill>
-                  <a:srgbClr val="0D0D0D"/>
-                </a:solidFill>
-                <a:effectLst/>
-                <a:highlight>
-                  <a:srgbClr val="FFFFFF"/>
-                </a:highlight>
-                <a:latin typeface="Söhne"/>
-              </a:rPr>
-              <a:t>Systemd</a:t>
-            </a:r>
-            <a:r>
-              <a:rPr lang="en-US" b="1" i="0" dirty="0">
-                <a:solidFill>
-                  <a:srgbClr val="0D0D0D"/>
-                </a:solidFill>
-                <a:effectLst/>
-                <a:highlight>
-                  <a:srgbClr val="FFFFFF"/>
-                </a:highlight>
-                <a:latin typeface="Söhne"/>
-              </a:rPr>
-              <a:t> and Nginx Configuration</a:t>
-            </a:r>
-            <a:r>
-              <a:rPr lang="en-US" b="0" i="0" dirty="0">
-                <a:solidFill>
-                  <a:srgbClr val="0D0D0D"/>
-                </a:solidFill>
-                <a:effectLst/>
-                <a:highlight>
-                  <a:srgbClr val="FFFFFF"/>
-                </a:highlight>
-                <a:latin typeface="Söhne"/>
-              </a:rPr>
-              <a:t>:</a:t>
-            </a:r>
-          </a:p>
-          <a:p>
-            <a:pPr marL="1200150" lvl="2" indent="-285750">
-              <a:lnSpc>
-                <a:spcPct val="210000"/>
-              </a:lnSpc>
-              <a:buFont typeface="Arial" panose="020B0604020202020204" pitchFamily="34" charset="0"/>
-              <a:buChar char="•"/>
-            </a:pPr>
-            <a:r>
-              <a:rPr lang="en-US" b="0" i="0" dirty="0">
-                <a:solidFill>
-                  <a:srgbClr val="0D0D0D"/>
-                </a:solidFill>
-                <a:effectLst/>
-                <a:highlight>
-                  <a:srgbClr val="FFFFFF"/>
-                </a:highlight>
-                <a:latin typeface="Söhne"/>
-              </a:rPr>
-              <a:t>Setting up </a:t>
-            </a:r>
-            <a:r>
-              <a:rPr lang="en-US" b="0" i="0" dirty="0" err="1">
-                <a:solidFill>
-                  <a:srgbClr val="0D0D0D"/>
-                </a:solidFill>
-                <a:effectLst/>
-                <a:highlight>
-                  <a:srgbClr val="FFFFFF"/>
-                </a:highlight>
-                <a:latin typeface="Söhne"/>
-              </a:rPr>
-              <a:t>Gunicorn</a:t>
-            </a:r>
-            <a:r>
-              <a:rPr lang="en-US" b="0" i="0" dirty="0">
-                <a:solidFill>
-                  <a:srgbClr val="0D0D0D"/>
-                </a:solidFill>
-                <a:effectLst/>
-                <a:highlight>
-                  <a:srgbClr val="FFFFFF"/>
-                </a:highlight>
-                <a:latin typeface="Söhne"/>
-              </a:rPr>
-              <a:t> with </a:t>
-            </a:r>
-            <a:r>
-              <a:rPr lang="en-US" b="0" i="0" dirty="0" err="1">
-                <a:solidFill>
-                  <a:srgbClr val="0D0D0D"/>
-                </a:solidFill>
-                <a:effectLst/>
-                <a:highlight>
-                  <a:srgbClr val="FFFFFF"/>
-                </a:highlight>
-                <a:latin typeface="Söhne"/>
-              </a:rPr>
-              <a:t>systemd</a:t>
-            </a:r>
-            <a:r>
-              <a:rPr lang="en-US" b="0" i="0" dirty="0">
-                <a:solidFill>
-                  <a:srgbClr val="0D0D0D"/>
-                </a:solidFill>
-                <a:effectLst/>
-                <a:highlight>
-                  <a:srgbClr val="FFFFFF"/>
-                </a:highlight>
-                <a:latin typeface="Söhne"/>
-              </a:rPr>
-              <a:t> for automatic restarts.</a:t>
-            </a:r>
-          </a:p>
-          <a:p>
-            <a:pPr marL="1200150" lvl="2" indent="-285750">
-              <a:lnSpc>
-                <a:spcPct val="210000"/>
-              </a:lnSpc>
-              <a:buFont typeface="Arial" panose="020B0604020202020204" pitchFamily="34" charset="0"/>
-              <a:buChar char="•"/>
-            </a:pPr>
-            <a:r>
-              <a:rPr lang="en-US" b="0" i="0" dirty="0">
-                <a:solidFill>
-                  <a:srgbClr val="0D0D0D"/>
-                </a:solidFill>
-                <a:effectLst/>
-                <a:highlight>
-                  <a:srgbClr val="FFFFFF"/>
-                </a:highlight>
-                <a:latin typeface="Söhne"/>
-              </a:rPr>
-              <a:t>Configuring Nginx as a reverse proxy to route requests.</a:t>
+              <a:t>Installing Python and virtual environment setup</a:t>
             </a:r>
           </a:p>
         </p:txBody>
@@ -12200,7 +12463,7 @@
     </p:spTree>
     <p:extLst>
       <p:ext uri="{BB962C8B-B14F-4D97-AF65-F5344CB8AC3E}">
-        <p14:creationId xmlns:p14="http://schemas.microsoft.com/office/powerpoint/2010/main" val="1016070921"/>
+        <p14:creationId xmlns:p14="http://schemas.microsoft.com/office/powerpoint/2010/main" val="1476757718"/>
       </p:ext>
     </p:extLst>
   </p:cSld>
@@ -12279,13 +12542,13 @@
         </p:spPr>
         <p:txBody>
           <a:bodyPr>
-            <a:normAutofit/>
+            <a:normAutofit fontScale="92500" lnSpcReduction="20000"/>
           </a:bodyPr>
           <a:lstStyle/>
           <a:p>
             <a:pPr marL="457200" lvl="1" indent="0">
               <a:lnSpc>
-                <a:spcPct val="200000"/>
+                <a:spcPct val="210000"/>
               </a:lnSpc>
               <a:buNone/>
             </a:pPr>
@@ -12300,13 +12563,13 @@
                 </a:highlight>
                 <a:latin typeface="Söhne"/>
               </a:rPr>
-              <a:t> Accessing and Testing the Flask Application</a:t>
+              <a:t>Installing and Running Flask on EC2</a:t>
             </a:r>
           </a:p>
           <a:p>
             <a:pPr lvl="1">
               <a:lnSpc>
-                <a:spcPct val="200000"/>
+                <a:spcPct val="210000"/>
               </a:lnSpc>
               <a:buFont typeface="Arial" panose="020B0604020202020204" pitchFamily="34" charset="0"/>
               <a:buChar char="•"/>
@@ -12322,7 +12585,7 @@
                 </a:highlight>
                 <a:latin typeface="Söhne"/>
               </a:rPr>
-              <a:t>How to Access</a:t>
+              <a:t>Commands and Configuration</a:t>
             </a:r>
             <a:r>
               <a:rPr lang="en-US" b="0" i="0" dirty="0">
@@ -12341,7 +12604,7 @@
           <a:p>
             <a:pPr marL="1200150" lvl="2" indent="-285750">
               <a:lnSpc>
-                <a:spcPct val="200000"/>
+                <a:spcPct val="210000"/>
               </a:lnSpc>
               <a:buFont typeface="Arial" panose="020B0604020202020204" pitchFamily="34" charset="0"/>
               <a:buChar char="•"/>
@@ -12357,19 +12620,19 @@
                 </a:highlight>
                 <a:latin typeface="Söhne"/>
               </a:rPr>
-              <a:t>Using the public IP address to interact with the Flask application through a web browser.</a:t>
-            </a:r>
-          </a:p>
-          <a:p>
-            <a:pPr lvl="1">
+              <a:t>Installation of Flask and other necessary packages.</a:t>
+            </a:r>
+          </a:p>
+          <a:p>
+            <a:pPr marL="1200150" lvl="2" indent="-285750">
               <a:lnSpc>
-                <a:spcPct val="200000"/>
+                <a:spcPct val="210000"/>
               </a:lnSpc>
               <a:buFont typeface="Arial" panose="020B0604020202020204" pitchFamily="34" charset="0"/>
               <a:buChar char="•"/>
             </a:pPr>
             <a:r>
-              <a:rPr lang="en-US" b="1" i="0" dirty="0">
+              <a:rPr lang="en-US" b="0" i="0" dirty="0">
                 <a:solidFill>
                   <a:srgbClr val="0D0D0D"/>
                 </a:solidFill>
@@ -12379,10 +12642,10 @@
                 </a:highlight>
                 <a:latin typeface="Söhne"/>
               </a:rPr>
-              <a:t>Testing Functionality</a:t>
-            </a:r>
-            <a:r>
-              <a:rPr lang="en-US" b="0" i="0" dirty="0">
+              <a:t>Steps to run the Flask application using </a:t>
+            </a:r>
+            <a:r>
+              <a:rPr lang="en-US" b="0" i="0" dirty="0" err="1">
                 <a:solidFill>
                   <a:srgbClr val="0D0D0D"/>
                 </a:solidFill>
@@ -12392,7 +12655,164 @@
                 </a:highlight>
                 <a:latin typeface="Söhne"/>
               </a:rPr>
-              <a:t>: Demonstrating a live example of submitting a review and receiving sentiment analysis.</a:t>
+              <a:t>Gunicorn</a:t>
+            </a:r>
+            <a:r>
+              <a:rPr lang="en-US" b="0" i="0" dirty="0">
+                <a:solidFill>
+                  <a:srgbClr val="0D0D0D"/>
+                </a:solidFill>
+                <a:effectLst/>
+                <a:highlight>
+                  <a:srgbClr val="FFFFFF"/>
+                </a:highlight>
+                <a:latin typeface="Söhne"/>
+              </a:rPr>
+              <a:t>.</a:t>
+            </a:r>
+          </a:p>
+          <a:p>
+            <a:pPr lvl="1">
+              <a:lnSpc>
+                <a:spcPct val="210000"/>
+              </a:lnSpc>
+              <a:buFont typeface="Arial" panose="020B0604020202020204" pitchFamily="34" charset="0"/>
+              <a:buChar char="•"/>
+            </a:pPr>
+            <a:r>
+              <a:rPr lang="en-US" b="1" i="0" dirty="0" err="1">
+                <a:solidFill>
+                  <a:srgbClr val="0D0D0D"/>
+                </a:solidFill>
+                <a:effectLst/>
+                <a:highlight>
+                  <a:srgbClr val="FFFFFF"/>
+                </a:highlight>
+                <a:latin typeface="Söhne"/>
+              </a:rPr>
+              <a:t>Systemd</a:t>
+            </a:r>
+            <a:r>
+              <a:rPr lang="en-US" b="1" i="0" dirty="0">
+                <a:solidFill>
+                  <a:srgbClr val="0D0D0D"/>
+                </a:solidFill>
+                <a:effectLst/>
+                <a:highlight>
+                  <a:srgbClr val="FFFFFF"/>
+                </a:highlight>
+                <a:latin typeface="Söhne"/>
+              </a:rPr>
+              <a:t> and Nginx Configuration</a:t>
+            </a:r>
+            <a:r>
+              <a:rPr lang="en-US" b="0" i="0" dirty="0">
+                <a:solidFill>
+                  <a:srgbClr val="0D0D0D"/>
+                </a:solidFill>
+                <a:effectLst/>
+                <a:highlight>
+                  <a:srgbClr val="FFFFFF"/>
+                </a:highlight>
+                <a:latin typeface="Söhne"/>
+              </a:rPr>
+              <a:t>:</a:t>
+            </a:r>
+          </a:p>
+          <a:p>
+            <a:pPr marL="1200150" lvl="2" indent="-285750">
+              <a:lnSpc>
+                <a:spcPct val="210000"/>
+              </a:lnSpc>
+              <a:buFont typeface="Arial" panose="020B0604020202020204" pitchFamily="34" charset="0"/>
+              <a:buChar char="•"/>
+            </a:pPr>
+            <a:r>
+              <a:rPr lang="en-US" b="0" i="0" dirty="0">
+                <a:solidFill>
+                  <a:srgbClr val="0D0D0D"/>
+                </a:solidFill>
+                <a:effectLst/>
+                <a:highlight>
+                  <a:srgbClr val="FFFFFF"/>
+                </a:highlight>
+                <a:latin typeface="Söhne"/>
+              </a:rPr>
+              <a:t>Setting up </a:t>
+            </a:r>
+            <a:r>
+              <a:rPr lang="en-US" b="0" i="0" dirty="0" err="1">
+                <a:solidFill>
+                  <a:srgbClr val="0D0D0D"/>
+                </a:solidFill>
+                <a:effectLst/>
+                <a:highlight>
+                  <a:srgbClr val="FFFFFF"/>
+                </a:highlight>
+                <a:latin typeface="Söhne"/>
+              </a:rPr>
+              <a:t>Gunicorn</a:t>
+            </a:r>
+            <a:r>
+              <a:rPr lang="en-US" b="0" i="0" dirty="0">
+                <a:solidFill>
+                  <a:srgbClr val="0D0D0D"/>
+                </a:solidFill>
+                <a:effectLst/>
+                <a:highlight>
+                  <a:srgbClr val="FFFFFF"/>
+                </a:highlight>
+                <a:latin typeface="Söhne"/>
+              </a:rPr>
+              <a:t> with </a:t>
+            </a:r>
+            <a:r>
+              <a:rPr lang="en-US" b="0" i="0" dirty="0" err="1">
+                <a:solidFill>
+                  <a:srgbClr val="0D0D0D"/>
+                </a:solidFill>
+                <a:effectLst/>
+                <a:highlight>
+                  <a:srgbClr val="FFFFFF"/>
+                </a:highlight>
+                <a:latin typeface="Söhne"/>
+              </a:rPr>
+              <a:t>systemd</a:t>
+            </a:r>
+            <a:r>
+              <a:rPr lang="en-US" b="0" i="0" dirty="0">
+                <a:solidFill>
+                  <a:srgbClr val="0D0D0D"/>
+                </a:solidFill>
+                <a:effectLst/>
+                <a:highlight>
+                  <a:srgbClr val="FFFFFF"/>
+                </a:highlight>
+                <a:latin typeface="Söhne"/>
+              </a:rPr>
+              <a:t> for automatic restarts.</a:t>
+            </a:r>
+          </a:p>
+          <a:p>
+            <a:pPr marL="1200150" lvl="2" indent="-285750">
+              <a:lnSpc>
+                <a:spcPct val="210000"/>
+              </a:lnSpc>
+              <a:buFont typeface="Arial" panose="020B0604020202020204" pitchFamily="34" charset="0"/>
+              <a:buChar char="•"/>
+            </a:pPr>
+            <a:r>
+              <a:rPr lang="en-US" b="0" i="0" dirty="0">
+                <a:solidFill>
+                  <a:srgbClr val="0D0D0D"/>
+                </a:solidFill>
+                <a:effectLst/>
+                <a:highlight>
+                  <a:srgbClr val="FFFFFF"/>
+                </a:highlight>
+                <a:latin typeface="Söhne"/>
+              </a:rPr>
+              <a:t>Configuring Nginx as a reverse proxy to route requests.</a:t>
             </a:r>
           </a:p>
         </p:txBody>
@@ -12560,7 +12980,7 @@
     </p:spTree>
     <p:extLst>
       <p:ext uri="{BB962C8B-B14F-4D97-AF65-F5344CB8AC3E}">
-        <p14:creationId xmlns:p14="http://schemas.microsoft.com/office/powerpoint/2010/main" val="152362394"/>
+        <p14:creationId xmlns:p14="http://schemas.microsoft.com/office/powerpoint/2010/main" val="1016070921"/>
       </p:ext>
     </p:extLst>
   </p:cSld>
@@ -12592,7 +13012,7 @@
           <p:cNvPr id="2" name="Title 1">
             <a:extLst>
               <a:ext uri="{FF2B5EF4-FFF2-40B4-BE49-F238E27FC236}">
-                <a16:creationId xmlns:a16="http://schemas.microsoft.com/office/drawing/2014/main" id="{16DF1F15-46F5-4A2B-AF38-34F3B8027144}"/>
+                <a16:creationId xmlns:a16="http://schemas.microsoft.com/office/drawing/2014/main" id="{CA391794-986C-4679-93EA-5F3C3EE6C82F}"/>
               </a:ext>
             </a:extLst>
           </p:cNvPr>
@@ -12610,7 +13030,7 @@
           <a:p>
             <a:r>
               <a:rPr lang="en-US" dirty="0"/>
-              <a:t>Thank You</a:t>
+              <a:t> Cloud Server</a:t>
             </a:r>
           </a:p>
         </p:txBody>
@@ -12620,7 +13040,7 @@
           <p:cNvPr id="3" name="Content Placeholder 2">
             <a:extLst>
               <a:ext uri="{FF2B5EF4-FFF2-40B4-BE49-F238E27FC236}">
-                <a16:creationId xmlns:a16="http://schemas.microsoft.com/office/drawing/2014/main" id="{360A4C54-B3B2-4B02-A340-C72E57FEE5FE}"/>
+                <a16:creationId xmlns:a16="http://schemas.microsoft.com/office/drawing/2014/main" id="{2875403B-F6A5-4855-B204-4A9D1F5B268F}"/>
               </a:ext>
             </a:extLst>
           </p:cNvPr>
@@ -12631,30 +13051,296 @@
             <p:ph idx="1"/>
           </p:nvPr>
         </p:nvSpPr>
-        <p:spPr/>
-        <p:txBody>
-          <a:bodyPr vert="horz" lIns="91440" tIns="45720" rIns="91440" bIns="45720" rtlCol="0" anchor="t">
-            <a:noAutofit/>
+        <p:spPr>
+          <a:xfrm>
+            <a:off x="419106" y="1690688"/>
+            <a:ext cx="9741183" cy="3853543"/>
+          </a:xfrm>
+        </p:spPr>
+        <p:txBody>
+          <a:bodyPr>
+            <a:normAutofit/>
           </a:bodyPr>
           <a:lstStyle/>
           <a:p>
-            <a:r>
-              <a:rPr lang="en-US" dirty="0"/>
-              <a:t> Q&amp;A</a:t>
-            </a:r>
-          </a:p>
-          <a:p>
-            <a:r>
-              <a:rPr lang="en-US" dirty="0"/>
-              <a:t>hasansattar650@gmail.com</a:t>
-            </a:r>
+            <a:pPr marL="457200" lvl="1" indent="0">
+              <a:lnSpc>
+                <a:spcPct val="200000"/>
+              </a:lnSpc>
+              <a:buNone/>
+            </a:pPr>
+            <a:r>
+              <a:rPr lang="en-US" b="1" i="0" dirty="0">
+                <a:solidFill>
+                  <a:srgbClr val="0D0D0D"/>
+                </a:solidFill>
+                <a:effectLst/>
+                <a:highlight>
+                  <a:srgbClr val="FFFFFF"/>
+                </a:highlight>
+                <a:latin typeface="Söhne"/>
+              </a:rPr>
+              <a:t> Accessing and Testing the Flask Application</a:t>
+            </a:r>
+          </a:p>
+          <a:p>
+            <a:pPr lvl="1">
+              <a:lnSpc>
+                <a:spcPct val="200000"/>
+              </a:lnSpc>
+              <a:buFont typeface="Arial" panose="020B0604020202020204" pitchFamily="34" charset="0"/>
+              <a:buChar char="•"/>
+            </a:pPr>
+            <a:r>
+              <a:rPr lang="en-US" b="1" i="0" dirty="0">
+                <a:solidFill>
+                  <a:srgbClr val="0D0D0D"/>
+                </a:solidFill>
+                <a:effectLst/>
+                <a:highlight>
+                  <a:srgbClr val="FFFFFF"/>
+                </a:highlight>
+                <a:latin typeface="Söhne"/>
+              </a:rPr>
+              <a:t>How to Access</a:t>
+            </a:r>
+            <a:r>
+              <a:rPr lang="en-US" b="0" i="0" dirty="0">
+                <a:solidFill>
+                  <a:srgbClr val="0D0D0D"/>
+                </a:solidFill>
+                <a:effectLst/>
+                <a:highlight>
+                  <a:srgbClr val="FFFFFF"/>
+                </a:highlight>
+                <a:latin typeface="Söhne"/>
+              </a:rPr>
+              <a:t>:</a:t>
+            </a:r>
+          </a:p>
+          <a:p>
+            <a:pPr marL="1200150" lvl="2" indent="-285750">
+              <a:lnSpc>
+                <a:spcPct val="200000"/>
+              </a:lnSpc>
+              <a:buFont typeface="Arial" panose="020B0604020202020204" pitchFamily="34" charset="0"/>
+              <a:buChar char="•"/>
+            </a:pPr>
+            <a:r>
+              <a:rPr lang="en-US" b="0" i="0" dirty="0">
+                <a:solidFill>
+                  <a:srgbClr val="0D0D0D"/>
+                </a:solidFill>
+                <a:effectLst/>
+                <a:highlight>
+                  <a:srgbClr val="FFFFFF"/>
+                </a:highlight>
+                <a:latin typeface="Söhne"/>
+              </a:rPr>
+              <a:t>Using the public IP address to interact with the Flask application through a web browser.</a:t>
+            </a:r>
+          </a:p>
+          <a:p>
+            <a:pPr lvl="1">
+              <a:lnSpc>
+                <a:spcPct val="200000"/>
+              </a:lnSpc>
+              <a:buFont typeface="Arial" panose="020B0604020202020204" pitchFamily="34" charset="0"/>
+              <a:buChar char="•"/>
+            </a:pPr>
+            <a:r>
+              <a:rPr lang="en-US" b="1" i="0" dirty="0">
+                <a:solidFill>
+                  <a:srgbClr val="0D0D0D"/>
+                </a:solidFill>
+                <a:effectLst/>
+                <a:highlight>
+                  <a:srgbClr val="FFFFFF"/>
+                </a:highlight>
+                <a:latin typeface="Söhne"/>
+              </a:rPr>
+              <a:t>Testing Functionality</a:t>
+            </a:r>
+            <a:r>
+              <a:rPr lang="en-US" b="0" i="0" dirty="0">
+                <a:solidFill>
+                  <a:srgbClr val="0D0D0D"/>
+                </a:solidFill>
+                <a:effectLst/>
+                <a:highlight>
+                  <a:srgbClr val="FFFFFF"/>
+                </a:highlight>
+                <a:latin typeface="Söhne"/>
+              </a:rPr>
+              <a:t>: Demonstrating a live example of submitting a review and receiving sentiment analysis.</a:t>
+            </a:r>
+          </a:p>
+        </p:txBody>
+      </p:sp>
+      <p:sp>
+        <p:nvSpPr>
+          <p:cNvPr id="35" name="Slide Number Placeholder 34">
+            <a:extLst>
+              <a:ext uri="{FF2B5EF4-FFF2-40B4-BE49-F238E27FC236}">
+                <a16:creationId xmlns:a16="http://schemas.microsoft.com/office/drawing/2014/main" id="{253F77DE-9A00-003D-3E35-AA011DA6A27F}"/>
+              </a:ext>
+            </a:extLst>
+          </p:cNvPr>
+          <p:cNvSpPr>
+            <a:spLocks noGrp="1"/>
+          </p:cNvSpPr>
+          <p:nvPr>
+            <p:ph type="sldNum" sz="quarter" idx="4"/>
+          </p:nvPr>
+        </p:nvSpPr>
+        <p:spPr/>
+        <p:txBody>
+          <a:bodyPr/>
+          <a:lstStyle/>
+          <a:p>
+            <a:fld id="{3A4F6043-7A67-491B-98BC-F933DED7226D}" type="slidenum">
+              <a:rPr lang="en-US" smtClean="0"/>
+              <a:pPr/>
+              <a:t>19</a:t>
+            </a:fld>
+            <a:endParaRPr lang="en-US" dirty="0"/>
+          </a:p>
+        </p:txBody>
+      </p:sp>
+      <p:sp>
+        <p:nvSpPr>
+          <p:cNvPr id="4" name="Slide Number Placeholder 5">
+            <a:extLst>
+              <a:ext uri="{FF2B5EF4-FFF2-40B4-BE49-F238E27FC236}">
+                <a16:creationId xmlns:a16="http://schemas.microsoft.com/office/drawing/2014/main" id="{2AD73156-2390-BB42-48B5-818ECA165475}"/>
+              </a:ext>
+            </a:extLst>
+          </p:cNvPr>
+          <p:cNvSpPr txBox="1">
+            <a:spLocks/>
+          </p:cNvSpPr>
+          <p:nvPr/>
+        </p:nvSpPr>
+        <p:spPr>
+          <a:xfrm>
+            <a:off x="11503152" y="0"/>
+            <a:ext cx="685800" cy="685800"/>
+          </a:xfrm>
+          <a:prstGeom prst="rect">
+            <a:avLst/>
+          </a:prstGeom>
+        </p:spPr>
+        <p:txBody>
+          <a:bodyPr vert="horz" lIns="91440" tIns="45720" rIns="91440" bIns="45720" rtlCol="0" anchor="ctr"/>
+          <a:lstStyle>
+            <a:defPPr>
+              <a:defRPr lang="en-US"/>
+            </a:defPPr>
+            <a:lvl1pPr marL="0" algn="ctr" defTabSz="914400" rtl="0" eaLnBrk="1" latinLnBrk="0" hangingPunct="1">
+              <a:defRPr sz="1200" kern="1200">
+                <a:solidFill>
+                  <a:schemeClr val="tx2"/>
+                </a:solidFill>
+                <a:latin typeface="+mn-lt"/>
+                <a:ea typeface="+mn-ea"/>
+                <a:cs typeface="+mn-cs"/>
+              </a:defRPr>
+            </a:lvl1pPr>
+            <a:lvl2pPr marL="457200" algn="l" defTabSz="914400" rtl="0" eaLnBrk="1" latinLnBrk="0" hangingPunct="1">
+              <a:defRPr sz="1800" kern="1200">
+                <a:solidFill>
+                  <a:schemeClr val="tx1"/>
+                </a:solidFill>
+                <a:latin typeface="+mn-lt"/>
+                <a:ea typeface="+mn-ea"/>
+                <a:cs typeface="+mn-cs"/>
+              </a:defRPr>
+            </a:lvl2pPr>
+            <a:lvl3pPr marL="914400" algn="l" defTabSz="914400" rtl="0" eaLnBrk="1" latinLnBrk="0" hangingPunct="1">
+              <a:defRPr sz="1800" kern="1200">
+                <a:solidFill>
+                  <a:schemeClr val="tx1"/>
+                </a:solidFill>
+                <a:latin typeface="+mn-lt"/>
+                <a:ea typeface="+mn-ea"/>
+                <a:cs typeface="+mn-cs"/>
+              </a:defRPr>
+            </a:lvl3pPr>
+            <a:lvl4pPr marL="1371600" algn="l" defTabSz="914400" rtl="0" eaLnBrk="1" latinLnBrk="0" hangingPunct="1">
+              <a:defRPr sz="1800" kern="1200">
+                <a:solidFill>
+                  <a:schemeClr val="tx1"/>
+                </a:solidFill>
+                <a:latin typeface="+mn-lt"/>
+                <a:ea typeface="+mn-ea"/>
+                <a:cs typeface="+mn-cs"/>
+              </a:defRPr>
+            </a:lvl4pPr>
+            <a:lvl5pPr marL="1828800" algn="l" defTabSz="914400" rtl="0" eaLnBrk="1" latinLnBrk="0" hangingPunct="1">
+              <a:defRPr sz="1800" kern="1200">
+                <a:solidFill>
+                  <a:schemeClr val="tx1"/>
+                </a:solidFill>
+                <a:latin typeface="+mn-lt"/>
+                <a:ea typeface="+mn-ea"/>
+                <a:cs typeface="+mn-cs"/>
+              </a:defRPr>
+            </a:lvl5pPr>
+            <a:lvl6pPr marL="2286000" algn="l" defTabSz="914400" rtl="0" eaLnBrk="1" latinLnBrk="0" hangingPunct="1">
+              <a:defRPr sz="1800" kern="1200">
+                <a:solidFill>
+                  <a:schemeClr val="tx1"/>
+                </a:solidFill>
+                <a:latin typeface="+mn-lt"/>
+                <a:ea typeface="+mn-ea"/>
+                <a:cs typeface="+mn-cs"/>
+              </a:defRPr>
+            </a:lvl6pPr>
+            <a:lvl7pPr marL="2743200" algn="l" defTabSz="914400" rtl="0" eaLnBrk="1" latinLnBrk="0" hangingPunct="1">
+              <a:defRPr sz="1800" kern="1200">
+                <a:solidFill>
+                  <a:schemeClr val="tx1"/>
+                </a:solidFill>
+                <a:latin typeface="+mn-lt"/>
+                <a:ea typeface="+mn-ea"/>
+                <a:cs typeface="+mn-cs"/>
+              </a:defRPr>
+            </a:lvl7pPr>
+            <a:lvl8pPr marL="3200400" algn="l" defTabSz="914400" rtl="0" eaLnBrk="1" latinLnBrk="0" hangingPunct="1">
+              <a:defRPr sz="1800" kern="1200">
+                <a:solidFill>
+                  <a:schemeClr val="tx1"/>
+                </a:solidFill>
+                <a:latin typeface="+mn-lt"/>
+                <a:ea typeface="+mn-ea"/>
+                <a:cs typeface="+mn-cs"/>
+              </a:defRPr>
+            </a:lvl8pPr>
+            <a:lvl9pPr marL="3657600" algn="l" defTabSz="914400" rtl="0" eaLnBrk="1" latinLnBrk="0" hangingPunct="1">
+              <a:defRPr sz="1800" kern="1200">
+                <a:solidFill>
+                  <a:schemeClr val="tx1"/>
+                </a:solidFill>
+                <a:latin typeface="+mn-lt"/>
+                <a:ea typeface="+mn-ea"/>
+                <a:cs typeface="+mn-cs"/>
+              </a:defRPr>
+            </a:lvl9pPr>
+          </a:lstStyle>
+          <a:p>
+            <a:fld id="{3A4F6043-7A67-491B-98BC-F933DED7226D}" type="slidenum">
+              <a:rPr lang="en-US" smtClean="0"/>
+              <a:pPr/>
+              <a:t>19</a:t>
+            </a:fld>
+            <a:endParaRPr lang="en-US" dirty="0"/>
           </a:p>
         </p:txBody>
       </p:sp>
     </p:spTree>
     <p:extLst>
       <p:ext uri="{BB962C8B-B14F-4D97-AF65-F5344CB8AC3E}">
-        <p14:creationId xmlns:p14="http://schemas.microsoft.com/office/powerpoint/2010/main" val="1315345950"/>
+        <p14:creationId xmlns:p14="http://schemas.microsoft.com/office/powerpoint/2010/main" val="152362394"/>
       </p:ext>
     </p:extLst>
   </p:cSld>
@@ -12727,13 +13413,13 @@
         </p:nvSpPr>
         <p:spPr>
           <a:xfrm>
-            <a:off x="164482" y="2415209"/>
+            <a:off x="154543" y="2325757"/>
             <a:ext cx="10778221" cy="3955774"/>
           </a:xfrm>
         </p:spPr>
         <p:txBody>
           <a:bodyPr>
-            <a:normAutofit fontScale="92500" lnSpcReduction="20000"/>
+            <a:normAutofit fontScale="77500" lnSpcReduction="20000"/>
           </a:bodyPr>
           <a:lstStyle/>
           <a:p>
@@ -12744,6 +13430,16 @@
             <a:r>
               <a:rPr lang="en-US" dirty="0"/>
               <a:t>Introduction</a:t>
+            </a:r>
+          </a:p>
+          <a:p>
+            <a:pPr marL="342900" indent="-342900">
+              <a:buFont typeface="Arial" panose="020B0604020202020204" pitchFamily="34" charset="0"/>
+              <a:buChar char="•"/>
+            </a:pPr>
+            <a:r>
+              <a:rPr lang="en-US" dirty="0"/>
+              <a:t>Problem Setup</a:t>
             </a:r>
           </a:p>
           <a:p>
@@ -12999,6 +13695,100 @@
     <p:extLst>
       <p:ext uri="{BB962C8B-B14F-4D97-AF65-F5344CB8AC3E}">
         <p14:creationId xmlns:p14="http://schemas.microsoft.com/office/powerpoint/2010/main" val="1476309329"/>
+      </p:ext>
+    </p:extLst>
+  </p:cSld>
+  <p:clrMapOvr>
+    <a:masterClrMapping/>
+  </p:clrMapOvr>
+</p:sld>
+</file>
+
+<file path=ppt/slides/slide20.xml><?xml version="1.0" encoding="utf-8"?>
+<p:sld xmlns:a="http://schemas.openxmlformats.org/drawingml/2006/main" xmlns:r="http://schemas.openxmlformats.org/officeDocument/2006/relationships" xmlns:p="http://schemas.openxmlformats.org/presentationml/2006/main">
+  <p:cSld>
+    <p:spTree>
+      <p:nvGrpSpPr>
+        <p:cNvPr id="1" name=""/>
+        <p:cNvGrpSpPr/>
+        <p:nvPr/>
+      </p:nvGrpSpPr>
+      <p:grpSpPr>
+        <a:xfrm>
+          <a:off x="0" y="0"/>
+          <a:ext cx="0" cy="0"/>
+          <a:chOff x="0" y="0"/>
+          <a:chExt cx="0" cy="0"/>
+        </a:xfrm>
+      </p:grpSpPr>
+      <p:sp>
+        <p:nvSpPr>
+          <p:cNvPr id="2" name="Title 1">
+            <a:extLst>
+              <a:ext uri="{FF2B5EF4-FFF2-40B4-BE49-F238E27FC236}">
+                <a16:creationId xmlns:a16="http://schemas.microsoft.com/office/drawing/2014/main" id="{16DF1F15-46F5-4A2B-AF38-34F3B8027144}"/>
+              </a:ext>
+            </a:extLst>
+          </p:cNvPr>
+          <p:cNvSpPr>
+            <a:spLocks noGrp="1"/>
+          </p:cNvSpPr>
+          <p:nvPr>
+            <p:ph type="title"/>
+          </p:nvPr>
+        </p:nvSpPr>
+        <p:spPr/>
+        <p:txBody>
+          <a:bodyPr/>
+          <a:lstStyle/>
+          <a:p>
+            <a:r>
+              <a:rPr lang="en-US" dirty="0"/>
+              <a:t>Thank You</a:t>
+            </a:r>
+          </a:p>
+        </p:txBody>
+      </p:sp>
+      <p:sp>
+        <p:nvSpPr>
+          <p:cNvPr id="3" name="Content Placeholder 2">
+            <a:extLst>
+              <a:ext uri="{FF2B5EF4-FFF2-40B4-BE49-F238E27FC236}">
+                <a16:creationId xmlns:a16="http://schemas.microsoft.com/office/drawing/2014/main" id="{360A4C54-B3B2-4B02-A340-C72E57FEE5FE}"/>
+              </a:ext>
+            </a:extLst>
+          </p:cNvPr>
+          <p:cNvSpPr>
+            <a:spLocks noGrp="1"/>
+          </p:cNvSpPr>
+          <p:nvPr>
+            <p:ph idx="1"/>
+          </p:nvPr>
+        </p:nvSpPr>
+        <p:spPr/>
+        <p:txBody>
+          <a:bodyPr vert="horz" lIns="91440" tIns="45720" rIns="91440" bIns="45720" rtlCol="0" anchor="t">
+            <a:noAutofit/>
+          </a:bodyPr>
+          <a:lstStyle/>
+          <a:p>
+            <a:r>
+              <a:rPr lang="en-US" dirty="0"/>
+              <a:t> Q&amp;A</a:t>
+            </a:r>
+          </a:p>
+          <a:p>
+            <a:r>
+              <a:rPr lang="en-US" dirty="0"/>
+              <a:t>hasansattar650@gmail.com</a:t>
+            </a:r>
+          </a:p>
+        </p:txBody>
+      </p:sp>
+    </p:spTree>
+    <p:extLst>
+      <p:ext uri="{BB962C8B-B14F-4D97-AF65-F5344CB8AC3E}">
+        <p14:creationId xmlns:p14="http://schemas.microsoft.com/office/powerpoint/2010/main" val="1315345950"/>
       </p:ext>
     </p:extLst>
   </p:cSld>
@@ -13444,7 +14234,7 @@
           <a:p>
             <a:r>
               <a:rPr lang="en-US" dirty="0"/>
-              <a:t>Data Overview</a:t>
+              <a:t>Problem Setup</a:t>
             </a:r>
           </a:p>
         </p:txBody>
@@ -13467,15 +14257,66 @@
         </p:nvSpPr>
         <p:spPr>
           <a:xfrm>
-            <a:off x="419107" y="2198915"/>
-            <a:ext cx="9733538" cy="3345316"/>
+            <a:off x="419106" y="1451113"/>
+            <a:ext cx="9741183" cy="4393096"/>
           </a:xfrm>
         </p:spPr>
         <p:txBody>
           <a:bodyPr>
-            <a:normAutofit/>
+            <a:noAutofit/>
           </a:bodyPr>
           <a:lstStyle/>
+          <a:p>
+            <a:pPr lvl="1" algn="just">
+              <a:lnSpc>
+                <a:spcPct val="150000"/>
+              </a:lnSpc>
+              <a:buFont typeface="Arial" panose="020B0604020202020204" pitchFamily="34" charset="0"/>
+              <a:buChar char="•"/>
+            </a:pPr>
+            <a:r>
+              <a:rPr lang="en-US" b="0" i="0" dirty="0">
+                <a:solidFill>
+                  <a:srgbClr val="0D0D0D"/>
+                </a:solidFill>
+                <a:effectLst/>
+                <a:highlight>
+                  <a:srgbClr val="FFFFFF"/>
+                </a:highlight>
+                <a:latin typeface="Söhne"/>
+              </a:rPr>
+              <a:t>Sentiment analysis project based on the Amazon reviews dataset, the problem setup can be defined as a binary classification task where the goal is to determine the sentiment expressed in the text of a product review.</a:t>
+            </a:r>
+            <a:endParaRPr lang="en-US" dirty="0">
+              <a:solidFill>
+                <a:srgbClr val="1F2328"/>
+              </a:solidFill>
+              <a:highlight>
+                <a:srgbClr val="FFFFFF"/>
+              </a:highlight>
+              <a:latin typeface="Söhne"/>
+            </a:endParaRPr>
+          </a:p>
+          <a:p>
+            <a:pPr lvl="1">
+              <a:lnSpc>
+                <a:spcPct val="200000"/>
+              </a:lnSpc>
+            </a:pPr>
+            <a:r>
+              <a:rPr lang="en-US" b="1" i="0" dirty="0">
+                <a:solidFill>
+                  <a:srgbClr val="0D0D0D"/>
+                </a:solidFill>
+                <a:effectLst/>
+                <a:highlight>
+                  <a:srgbClr val="FFFFFF"/>
+                </a:highlight>
+                <a:latin typeface="Söhne"/>
+              </a:rPr>
+              <a:t>Problem Setup:</a:t>
+            </a:r>
+          </a:p>
           <a:p>
             <a:pPr lvl="1">
               <a:lnSpc>
@@ -13495,7 +14336,7 @@
                 </a:highlight>
                 <a:latin typeface="Söhne"/>
               </a:rPr>
-              <a:t>  Data Source</a:t>
+              <a:t>Objective</a:t>
             </a:r>
             <a:r>
               <a:rPr lang="en-US" b="0" i="0" dirty="0">
@@ -13508,46 +14349,7 @@
                 </a:highlight>
                 <a:latin typeface="Söhne"/>
               </a:rPr>
-              <a:t>: The data is sourced from Kaggle's Amazon Reviews dataset.       </a:t>
-            </a:r>
-            <a:r>
-              <a:rPr lang="en-US" dirty="0">
-                <a:solidFill>
-                  <a:srgbClr val="0D0D0D"/>
-                </a:solidFill>
-                <a:highlight>
-                  <a:srgbClr val="FFFFFF"/>
-                </a:highlight>
-                <a:latin typeface="Söhne"/>
-              </a:rPr>
-              <a:t>(</a:t>
-            </a:r>
-            <a:r>
-              <a:rPr lang="en-US" b="0" i="0" dirty="0">
-                <a:solidFill>
-                  <a:srgbClr val="0D0D0D"/>
-                </a:solidFill>
-                <a:effectLst/>
-                <a:highlight>
-                  <a:srgbClr val="FFFFFF"/>
-                </a:highlight>
-                <a:latin typeface="Söhne"/>
-                <a:hlinkClick r:id="rId3"/>
-              </a:rPr>
-              <a:t>https://www.kaggle.com/datasets/bittlingmayer/amazonreviews</a:t>
-            </a:r>
-            <a:r>
-              <a:rPr lang="en-US" b="0" i="0" dirty="0">
-                <a:solidFill>
-                  <a:srgbClr val="0D0D0D"/>
-                </a:solidFill>
-                <a:effectLst/>
-                <a:highlight>
-                  <a:srgbClr val="FFFFFF"/>
-                </a:highlight>
-                <a:latin typeface="Söhne"/>
-              </a:rPr>
-              <a:t>)</a:t>
+              <a:t>: To automatically classify the sentiment of text-based product reviews.</a:t>
             </a:r>
           </a:p>
           <a:p>
@@ -13569,7 +14371,7 @@
                 </a:highlight>
                 <a:latin typeface="Söhne"/>
               </a:rPr>
-              <a:t>  Data Content</a:t>
+              <a:t>Input</a:t>
             </a:r>
             <a:r>
               <a:rPr lang="en-US" b="0" i="0" dirty="0">
@@ -13582,32 +14384,7 @@
                 </a:highlight>
                 <a:latin typeface="Söhne"/>
               </a:rPr>
-              <a:t>: </a:t>
-            </a:r>
-            <a:r>
-              <a:rPr lang="en-US" dirty="0">
-                <a:solidFill>
-                  <a:srgbClr val="0D0D0D"/>
-                </a:solidFill>
-                <a:highlight>
-                  <a:srgbClr val="FFFFFF"/>
-                </a:highlight>
-                <a:latin typeface="Söhne"/>
-              </a:rPr>
-              <a:t>T</a:t>
-            </a:r>
-            <a:r>
-              <a:rPr lang="en-US" b="0" i="0" dirty="0">
-                <a:solidFill>
-                  <a:srgbClr val="0D0D0D"/>
-                </a:solidFill>
-                <a:effectLst/>
-                <a:highlight>
-                  <a:srgbClr val="FFFFFF"/>
-                </a:highlight>
-                <a:latin typeface="Söhne"/>
-              </a:rPr>
-              <a:t>he types of data included  text reviews with labels.</a:t>
+              <a:t>: The input to the model is the text of a product review.</a:t>
             </a:r>
           </a:p>
           <a:p>
@@ -13629,7 +14406,7 @@
                 </a:highlight>
                 <a:latin typeface="Söhne"/>
               </a:rPr>
-              <a:t>  Purpose</a:t>
+              <a:t>Output</a:t>
             </a:r>
             <a:r>
               <a:rPr lang="en-US" b="0" i="0" dirty="0">
@@ -13642,48 +14419,18 @@
                 </a:highlight>
                 <a:latin typeface="Söhne"/>
               </a:rPr>
-              <a:t>: </a:t>
-            </a:r>
-            <a:r>
-              <a:rPr lang="en-US" b="0" i="0" dirty="0">
-                <a:solidFill>
-                  <a:srgbClr val="3C4043"/>
-                </a:solidFill>
-                <a:effectLst/>
-                <a:highlight>
-                  <a:srgbClr val="FFFFFF"/>
-                </a:highlight>
-                <a:latin typeface="Inter"/>
-              </a:rPr>
-              <a:t>This dataset consists of a few million Amazon customer reviews (input text) and star ratings (output labels) for learning how to train </a:t>
-            </a:r>
-            <a:r>
-              <a:rPr lang="en-US" b="0" i="0" dirty="0" err="1">
-                <a:solidFill>
-                  <a:srgbClr val="3C4043"/>
-                </a:solidFill>
-                <a:effectLst/>
-                <a:highlight>
-                  <a:srgbClr val="FFFFFF"/>
-                </a:highlight>
-                <a:latin typeface="Inter"/>
-              </a:rPr>
-              <a:t>fastText</a:t>
-            </a:r>
-            <a:r>
-              <a:rPr lang="en-US" b="0" i="0" dirty="0">
-                <a:solidFill>
-                  <a:srgbClr val="3C4043"/>
-                </a:solidFill>
-                <a:effectLst/>
-                <a:highlight>
-                  <a:srgbClr val="FFFFFF"/>
-                </a:highlight>
-                <a:latin typeface="Inter"/>
-              </a:rPr>
-              <a:t> for sentiment analysis</a:t>
-            </a:r>
-            <a:endParaRPr lang="en-US" b="0" i="0" dirty="0">
+              <a:t>: The output is a sentiment classification, which can either be "Positive" or "Negative"</a:t>
+            </a:r>
+          </a:p>
+          <a:p>
+            <a:pPr lvl="1" algn="just">
+              <a:lnSpc>
+                <a:spcPct val="150000"/>
+              </a:lnSpc>
+              <a:buFont typeface="Arial" panose="020B0604020202020204" pitchFamily="34" charset="0"/>
+              <a:buChar char="•"/>
+            </a:pPr>
+            <a:endParaRPr lang="en-US" b="1" i="0" dirty="0">
               <a:solidFill>
                 <a:srgbClr val="0D0D0D"/>
               </a:solidFill>
@@ -13859,7 +14606,7 @@
     </p:spTree>
     <p:extLst>
       <p:ext uri="{BB962C8B-B14F-4D97-AF65-F5344CB8AC3E}">
-        <p14:creationId xmlns:p14="http://schemas.microsoft.com/office/powerpoint/2010/main" val="1656035435"/>
+        <p14:creationId xmlns:p14="http://schemas.microsoft.com/office/powerpoint/2010/main" val="2508660053"/>
       </p:ext>
     </p:extLst>
   </p:cSld>
@@ -13909,7 +14656,7 @@
           <a:p>
             <a:r>
               <a:rPr lang="en-US" dirty="0"/>
-              <a:t>Tools and Libraries Used</a:t>
+              <a:t>Data Overview</a:t>
             </a:r>
           </a:p>
         </p:txBody>
@@ -13930,7 +14677,12 @@
             <p:ph idx="1"/>
           </p:nvPr>
         </p:nvSpPr>
-        <p:spPr/>
+        <p:spPr>
+          <a:xfrm>
+            <a:off x="419107" y="2198915"/>
+            <a:ext cx="9733538" cy="3345316"/>
+          </a:xfrm>
+        </p:spPr>
         <p:txBody>
           <a:bodyPr>
             <a:normAutofit/>
@@ -13955,7 +14707,7 @@
                 </a:highlight>
                 <a:latin typeface="Söhne"/>
               </a:rPr>
-              <a:t>List of Tools</a:t>
+              <a:t>  Data Source</a:t>
             </a:r>
             <a:r>
               <a:rPr lang="en-US" b="0" i="0" dirty="0">
@@ -13968,10 +14720,36 @@
                 </a:highlight>
                 <a:latin typeface="Söhne"/>
               </a:rPr>
-              <a:t>: Python, TensorFlow, </a:t>
-            </a:r>
-            <a:r>
-              <a:rPr lang="en-US" b="0" i="0" dirty="0" err="1">
+              <a:t>: The data is sourced from Kaggle's Amazon Reviews dataset.       </a:t>
+            </a:r>
+            <a:r>
+              <a:rPr lang="en-US" dirty="0">
+                <a:solidFill>
+                  <a:srgbClr val="0D0D0D"/>
+                </a:solidFill>
+                <a:highlight>
+                  <a:srgbClr val="FFFFFF"/>
+                </a:highlight>
+                <a:latin typeface="Söhne"/>
+              </a:rPr>
+              <a:t>(</a:t>
+            </a:r>
+            <a:r>
+              <a:rPr lang="en-US" b="0" i="0" dirty="0">
+                <a:solidFill>
+                  <a:srgbClr val="0D0D0D"/>
+                </a:solidFill>
+                <a:effectLst/>
+                <a:highlight>
+                  <a:srgbClr val="FFFFFF"/>
+                </a:highlight>
+                <a:latin typeface="Söhne"/>
+                <a:hlinkClick r:id="rId3"/>
+              </a:rPr>
+              <a:t>https://www.kaggle.com/datasets/bittlingmayer/amazonreviews</a:t>
+            </a:r>
+            <a:r>
+              <a:rPr lang="en-US" b="0" i="0" dirty="0">
                 <a:solidFill>
                   <a:srgbClr val="0D0D0D"/>
                 </a:solidFill>
@@ -13981,20 +14759,7 @@
                 </a:highlight>
                 <a:latin typeface="Söhne"/>
               </a:rPr>
-              <a:t>Keras</a:t>
-            </a:r>
-            <a:r>
-              <a:rPr lang="en-US" b="0" i="0" dirty="0">
-                <a:solidFill>
-                  <a:srgbClr val="0D0D0D"/>
-                </a:solidFill>
-                <a:effectLst/>
-                <a:highlight>
-                  <a:srgbClr val="FFFFFF"/>
-                </a:highlight>
-                <a:latin typeface="Söhne"/>
-              </a:rPr>
-              <a:t>.</a:t>
+              <a:t>)</a:t>
             </a:r>
           </a:p>
           <a:p>
@@ -14016,7 +14781,7 @@
                 </a:highlight>
                 <a:latin typeface="Söhne"/>
               </a:rPr>
-              <a:t>Libraries</a:t>
+              <a:t>  Data Content</a:t>
             </a:r>
             <a:r>
               <a:rPr lang="en-US" b="0" i="0" dirty="0">
@@ -14029,10 +14794,22 @@
                 </a:highlight>
                 <a:latin typeface="Söhne"/>
               </a:rPr>
-              <a:t>: we used NumPy for numerical operations, TensorFlow for building and training models, and  </a:t>
-            </a:r>
-            <a:r>
-              <a:rPr lang="en-US" b="0" i="0" dirty="0" err="1">
+              <a:t>: </a:t>
+            </a:r>
+            <a:r>
+              <a:rPr lang="en-US" dirty="0">
+                <a:solidFill>
+                  <a:srgbClr val="0D0D0D"/>
+                </a:solidFill>
+                <a:highlight>
+                  <a:srgbClr val="FFFFFF"/>
+                </a:highlight>
+                <a:latin typeface="Söhne"/>
+              </a:rPr>
+              <a:t>T</a:t>
+            </a:r>
+            <a:r>
+              <a:rPr lang="en-US" b="0" i="0" dirty="0">
                 <a:solidFill>
                   <a:srgbClr val="0D0D0D"/>
                 </a:solidFill>
@@ -14042,46 +14819,7 @@
                 </a:highlight>
                 <a:latin typeface="Söhne"/>
               </a:rPr>
-              <a:t>GloVe</a:t>
-            </a:r>
-            <a:r>
-              <a:rPr lang="en-US" b="0" i="0" dirty="0">
-                <a:solidFill>
-                  <a:srgbClr val="0D0D0D"/>
-                </a:solidFill>
-                <a:effectLst/>
-                <a:highlight>
-                  <a:srgbClr val="FFFFFF"/>
-                </a:highlight>
-                <a:latin typeface="Söhne"/>
-              </a:rPr>
-              <a:t> embeddings for numerical index </a:t>
-            </a:r>
-            <a:r>
-              <a:rPr lang="en-US" b="0" i="0" dirty="0" err="1">
-                <a:solidFill>
-                  <a:srgbClr val="0D0D0D"/>
-                </a:solidFill>
-                <a:effectLst/>
-                <a:highlight>
-                  <a:srgbClr val="FFFFFF"/>
-                </a:highlight>
-                <a:latin typeface="Söhne"/>
-              </a:rPr>
-              <a:t>vecterization</a:t>
-            </a:r>
-            <a:r>
-              <a:rPr lang="en-US" b="0" i="0" dirty="0">
-                <a:solidFill>
-                  <a:srgbClr val="0D0D0D"/>
-                </a:solidFill>
-                <a:effectLst/>
-                <a:highlight>
-                  <a:srgbClr val="FFFFFF"/>
-                </a:highlight>
-                <a:latin typeface="Söhne"/>
-              </a:rPr>
-              <a:t>.</a:t>
+              <a:t>he types of data included  text reviews with labels.</a:t>
             </a:r>
           </a:p>
           <a:p>
@@ -14103,7 +14841,7 @@
                 </a:highlight>
                 <a:latin typeface="Söhne"/>
               </a:rPr>
-              <a:t>Purpose</a:t>
+              <a:t>  Purpose</a:t>
             </a:r>
             <a:r>
               <a:rPr lang="en-US" b="0" i="0" dirty="0">
@@ -14116,8 +14854,57 @@
                 </a:highlight>
                 <a:latin typeface="Söhne"/>
               </a:rPr>
-              <a:t>: Show the technical foundation of the project.</a:t>
-            </a:r>
+              <a:t>: </a:t>
+            </a:r>
+            <a:r>
+              <a:rPr lang="en-US" b="0" i="0" dirty="0">
+                <a:solidFill>
+                  <a:srgbClr val="3C4043"/>
+                </a:solidFill>
+                <a:effectLst/>
+                <a:highlight>
+                  <a:srgbClr val="FFFFFF"/>
+                </a:highlight>
+                <a:latin typeface="Inter"/>
+              </a:rPr>
+              <a:t>This dataset consists of a few million Amazon customer reviews (input text) and star ratings (output labels) for learning how to train </a:t>
+            </a:r>
+            <a:r>
+              <a:rPr lang="en-US" b="0" i="0" dirty="0" err="1">
+                <a:solidFill>
+                  <a:srgbClr val="3C4043"/>
+                </a:solidFill>
+                <a:effectLst/>
+                <a:highlight>
+                  <a:srgbClr val="FFFFFF"/>
+                </a:highlight>
+                <a:latin typeface="Inter"/>
+              </a:rPr>
+              <a:t>fastText</a:t>
+            </a:r>
+            <a:r>
+              <a:rPr lang="en-US" b="0" i="0" dirty="0">
+                <a:solidFill>
+                  <a:srgbClr val="3C4043"/>
+                </a:solidFill>
+                <a:effectLst/>
+                <a:highlight>
+                  <a:srgbClr val="FFFFFF"/>
+                </a:highlight>
+                <a:latin typeface="Inter"/>
+              </a:rPr>
+              <a:t> for sentiment analysis</a:t>
+            </a:r>
+            <a:endParaRPr lang="en-US" b="0" i="0" dirty="0">
+              <a:solidFill>
+                <a:srgbClr val="0D0D0D"/>
+              </a:solidFill>
+              <a:effectLst/>
+              <a:highlight>
+                <a:srgbClr val="FFFFFF"/>
+              </a:highlight>
+              <a:latin typeface="Söhne"/>
+            </a:endParaRPr>
           </a:p>
         </p:txBody>
       </p:sp>
@@ -14284,7 +15071,7 @@
     </p:spTree>
     <p:extLst>
       <p:ext uri="{BB962C8B-B14F-4D97-AF65-F5344CB8AC3E}">
-        <p14:creationId xmlns:p14="http://schemas.microsoft.com/office/powerpoint/2010/main" val="932991914"/>
+        <p14:creationId xmlns:p14="http://schemas.microsoft.com/office/powerpoint/2010/main" val="1656035435"/>
       </p:ext>
     </p:extLst>
   </p:cSld>
@@ -14334,7 +15121,7 @@
           <a:p>
             <a:r>
               <a:rPr lang="en-US" dirty="0"/>
-              <a:t>Data Preprocessing</a:t>
+              <a:t>Tools and Libraries Used</a:t>
             </a:r>
           </a:p>
         </p:txBody>
@@ -14355,10 +15142,15 @@
             <p:ph idx="1"/>
           </p:nvPr>
         </p:nvSpPr>
-        <p:spPr/>
+        <p:spPr>
+          <a:xfrm>
+            <a:off x="-127545" y="1596413"/>
+            <a:ext cx="6223545" cy="4108647"/>
+          </a:xfrm>
+        </p:spPr>
         <p:txBody>
           <a:bodyPr>
-            <a:normAutofit/>
+            <a:normAutofit fontScale="92500" lnSpcReduction="20000"/>
           </a:bodyPr>
           <a:lstStyle/>
           <a:p>
@@ -14380,7 +15172,7 @@
                 </a:highlight>
                 <a:latin typeface="Söhne"/>
               </a:rPr>
-              <a:t>Reading Data</a:t>
+              <a:t>List of Tools</a:t>
             </a:r>
             <a:r>
               <a:rPr lang="en-US" b="0" i="0" dirty="0">
@@ -14393,7 +15185,33 @@
                 </a:highlight>
                 <a:latin typeface="Söhne"/>
               </a:rPr>
-              <a:t>: The process of loading the data from the file.</a:t>
+              <a:t>: Python, TensorFlow, </a:t>
+            </a:r>
+            <a:r>
+              <a:rPr lang="en-US" b="0" i="0" dirty="0" err="1">
+                <a:solidFill>
+                  <a:srgbClr val="0D0D0D"/>
+                </a:solidFill>
+                <a:effectLst/>
+                <a:highlight>
+                  <a:srgbClr val="FFFFFF"/>
+                </a:highlight>
+                <a:latin typeface="Söhne"/>
+              </a:rPr>
+              <a:t>Keras</a:t>
+            </a:r>
+            <a:r>
+              <a:rPr lang="en-US" b="0" i="0" dirty="0">
+                <a:solidFill>
+                  <a:srgbClr val="0D0D0D"/>
+                </a:solidFill>
+                <a:effectLst/>
+                <a:highlight>
+                  <a:srgbClr val="FFFFFF"/>
+                </a:highlight>
+                <a:latin typeface="Söhne"/>
+              </a:rPr>
+              <a:t>.</a:t>
             </a:r>
           </a:p>
           <a:p>
@@ -14415,7 +15233,172 @@
                 </a:highlight>
                 <a:latin typeface="Söhne"/>
               </a:rPr>
-              <a:t>Cleaning and Tokenizing</a:t>
+              <a:t>Libraries</a:t>
+            </a:r>
+            <a:r>
+              <a:rPr lang="en-US" b="0" i="0" dirty="0">
+                <a:solidFill>
+                  <a:srgbClr val="0D0D0D"/>
+                </a:solidFill>
+                <a:effectLst/>
+                <a:highlight>
+                  <a:srgbClr val="FFFFFF"/>
+                </a:highlight>
+                <a:latin typeface="Söhne"/>
+              </a:rPr>
+              <a:t>: we used NumPy for numerical operations, TensorFlow for building and training models, and  </a:t>
+            </a:r>
+            <a:r>
+              <a:rPr lang="en-US" b="0" i="0" dirty="0" err="1">
+                <a:solidFill>
+                  <a:srgbClr val="0D0D0D"/>
+                </a:solidFill>
+                <a:effectLst/>
+                <a:highlight>
+                  <a:srgbClr val="FFFFFF"/>
+                </a:highlight>
+                <a:latin typeface="Söhne"/>
+              </a:rPr>
+              <a:t>GloVe</a:t>
+            </a:r>
+            <a:r>
+              <a:rPr lang="en-US" b="0" i="0" dirty="0">
+                <a:solidFill>
+                  <a:srgbClr val="0D0D0D"/>
+                </a:solidFill>
+                <a:effectLst/>
+                <a:highlight>
+                  <a:srgbClr val="FFFFFF"/>
+                </a:highlight>
+                <a:latin typeface="Söhne"/>
+              </a:rPr>
+              <a:t> embeddings for numerical index </a:t>
+            </a:r>
+            <a:r>
+              <a:rPr lang="en-US" b="0" i="0" dirty="0" err="1">
+                <a:solidFill>
+                  <a:srgbClr val="0D0D0D"/>
+                </a:solidFill>
+                <a:effectLst/>
+                <a:highlight>
+                  <a:srgbClr val="FFFFFF"/>
+                </a:highlight>
+                <a:latin typeface="Söhne"/>
+              </a:rPr>
+              <a:t>vecterization</a:t>
+            </a:r>
+            <a:r>
+              <a:rPr lang="en-US" b="0" i="0" dirty="0">
+                <a:solidFill>
+                  <a:srgbClr val="0D0D0D"/>
+                </a:solidFill>
+                <a:effectLst/>
+                <a:highlight>
+                  <a:srgbClr val="FFFFFF"/>
+                </a:highlight>
+                <a:latin typeface="Söhne"/>
+              </a:rPr>
+              <a:t>.</a:t>
+            </a:r>
+            <a:endParaRPr lang="en-US" dirty="0">
+              <a:solidFill>
+                <a:srgbClr val="0D0D0D"/>
+              </a:solidFill>
+              <a:highlight>
+                <a:srgbClr val="FFFFFF"/>
+              </a:highlight>
+              <a:latin typeface="Söhne"/>
+            </a:endParaRPr>
+          </a:p>
+          <a:p>
+            <a:pPr lvl="1">
+              <a:lnSpc>
+                <a:spcPct val="200000"/>
+              </a:lnSpc>
+              <a:buFont typeface="Arial" panose="020B0604020202020204" pitchFamily="34" charset="0"/>
+              <a:buChar char="•"/>
+            </a:pPr>
+            <a:r>
+              <a:rPr lang="en-US" b="0" i="0" dirty="0">
+                <a:solidFill>
+                  <a:srgbClr val="0D0D0D"/>
+                </a:solidFill>
+                <a:effectLst/>
+                <a:highlight>
+                  <a:srgbClr val="FFFFFF"/>
+                </a:highlight>
+                <a:latin typeface="Söhne"/>
+              </a:rPr>
+              <a:t>Download the Glove Embedding from Kaggle here</a:t>
+            </a:r>
+            <a:r>
+              <a:rPr lang="en-US" dirty="0">
+                <a:solidFill>
+                  <a:srgbClr val="0D0D0D"/>
+                </a:solidFill>
+                <a:highlight>
+                  <a:srgbClr val="FFFFFF"/>
+                </a:highlight>
+                <a:latin typeface="Söhne"/>
+              </a:rPr>
+              <a:t> (</a:t>
+            </a:r>
+            <a:r>
+              <a:rPr lang="en-US" dirty="0">
+                <a:solidFill>
+                  <a:srgbClr val="0D0D0D"/>
+                </a:solidFill>
+                <a:highlight>
+                  <a:srgbClr val="FFFFFF"/>
+                </a:highlight>
+                <a:latin typeface="Söhne"/>
+                <a:hlinkClick r:id="rId3"/>
+              </a:rPr>
+              <a:t>https://www.kaggle.com/datasets/danielwillgeorge/glove6b100dtxt</a:t>
+            </a:r>
+            <a:r>
+              <a:rPr lang="en-US" dirty="0">
+                <a:solidFill>
+                  <a:srgbClr val="0D0D0D"/>
+                </a:solidFill>
+                <a:highlight>
+                  <a:srgbClr val="FFFFFF"/>
+                </a:highlight>
+                <a:latin typeface="Söhne"/>
+              </a:rPr>
+              <a:t>)</a:t>
+            </a:r>
+            <a:endParaRPr lang="en-US" b="0" i="0" dirty="0">
+              <a:solidFill>
+                <a:srgbClr val="0D0D0D"/>
+              </a:solidFill>
+              <a:effectLst/>
+              <a:highlight>
+                <a:srgbClr val="FFFFFF"/>
+              </a:highlight>
+              <a:latin typeface="Söhne"/>
+            </a:endParaRPr>
+          </a:p>
+          <a:p>
+            <a:pPr lvl="1">
+              <a:lnSpc>
+                <a:spcPct val="200000"/>
+              </a:lnSpc>
+              <a:buFont typeface="Arial" panose="020B0604020202020204" pitchFamily="34" charset="0"/>
+              <a:buChar char="•"/>
+            </a:pPr>
+            <a:r>
+              <a:rPr lang="en-US" b="1" i="0" dirty="0">
+                <a:solidFill>
+                  <a:srgbClr val="0D0D0D"/>
+                </a:solidFill>
+                <a:effectLst/>
+                <a:highlight>
+                  <a:srgbClr val="FFFFFF"/>
+                </a:highlight>
+                <a:latin typeface="Söhne"/>
+              </a:rPr>
+              <a:t>Purpose</a:t>
             </a:r>
             <a:r>
               <a:rPr lang="en-US" b="0" i="0" dirty="0">
@@ -14440,7 +15423,7 @@
                 </a:highlight>
                 <a:latin typeface="Söhne"/>
               </a:rPr>
-              <a:t>T</a:t>
+              <a:t>It s</a:t>
             </a:r>
             <a:r>
               <a:rPr lang="en-US" b="0" i="0" dirty="0">
@@ -14453,102 +15436,7 @@
                 </a:highlight>
                 <a:latin typeface="Söhne"/>
               </a:rPr>
-              <a:t>ext cleaning and the tokenization process.</a:t>
-            </a:r>
-          </a:p>
-          <a:p>
-            <a:pPr lvl="1">
-              <a:lnSpc>
-                <a:spcPct val="200000"/>
-              </a:lnSpc>
-              <a:buFont typeface="Arial" panose="020B0604020202020204" pitchFamily="34" charset="0"/>
-              <a:buChar char="•"/>
-            </a:pPr>
-            <a:r>
-              <a:rPr lang="en-US" b="1" i="0" dirty="0">
-                <a:solidFill>
-                  <a:srgbClr val="0D0D0D"/>
-                </a:solidFill>
-                <a:effectLst/>
-                <a:highlight>
-                  <a:srgbClr val="FFFFFF"/>
-                </a:highlight>
-                <a:latin typeface="Söhne"/>
-              </a:rPr>
-              <a:t>Sequence Padding</a:t>
-            </a:r>
-            <a:r>
-              <a:rPr lang="en-US" b="0" i="0" dirty="0">
-                <a:solidFill>
-                  <a:srgbClr val="0D0D0D"/>
-                </a:solidFill>
-                <a:effectLst/>
-                <a:highlight>
-                  <a:srgbClr val="FFFFFF"/>
-                </a:highlight>
-                <a:latin typeface="Söhne"/>
-              </a:rPr>
-              <a:t>: padding is necessary to create uniform input sizes for neural network processing.</a:t>
-            </a:r>
-          </a:p>
-          <a:p>
-            <a:pPr lvl="1">
-              <a:lnSpc>
-                <a:spcPct val="200000"/>
-              </a:lnSpc>
-              <a:buFont typeface="Arial" panose="020B0604020202020204" pitchFamily="34" charset="0"/>
-              <a:buChar char="•"/>
-            </a:pPr>
-            <a:r>
-              <a:rPr lang="en-US" b="1" i="0" dirty="0">
-                <a:solidFill>
-                  <a:srgbClr val="0D0D0D"/>
-                </a:solidFill>
-                <a:effectLst/>
-                <a:highlight>
-                  <a:srgbClr val="FFFFFF"/>
-                </a:highlight>
-                <a:latin typeface="Söhne"/>
-              </a:rPr>
-              <a:t>Purpose</a:t>
-            </a:r>
-            <a:r>
-              <a:rPr lang="en-US" b="0" i="0" dirty="0">
-                <a:solidFill>
-                  <a:srgbClr val="0D0D0D"/>
-                </a:solidFill>
-                <a:effectLst/>
-                <a:highlight>
-                  <a:srgbClr val="FFFFFF"/>
-                </a:highlight>
-                <a:latin typeface="Söhne"/>
-              </a:rPr>
-              <a:t>:  </a:t>
-            </a:r>
-            <a:r>
-              <a:rPr lang="en-US" dirty="0">
-                <a:solidFill>
-                  <a:srgbClr val="0D0D0D"/>
-                </a:solidFill>
-                <a:highlight>
-                  <a:srgbClr val="FFFFFF"/>
-                </a:highlight>
-                <a:latin typeface="Söhne"/>
-              </a:rPr>
-              <a:t>R</a:t>
-            </a:r>
-            <a:r>
-              <a:rPr lang="en-US" b="0" i="0" dirty="0">
-                <a:solidFill>
-                  <a:srgbClr val="0D0D0D"/>
-                </a:solidFill>
-                <a:effectLst/>
-                <a:highlight>
-                  <a:srgbClr val="FFFFFF"/>
-                </a:highlight>
-                <a:latin typeface="Söhne"/>
-              </a:rPr>
-              <a:t>aw data is transformed into a format suitable for model training.</a:t>
+              <a:t>how the technical foundation of that project.</a:t>
             </a:r>
           </a:p>
         </p:txBody>
@@ -14713,10 +15601,40 @@
           </a:p>
         </p:txBody>
       </p:sp>
+      <p:pic>
+        <p:nvPicPr>
+          <p:cNvPr id="8" name="Picture 7" descr="A screenshot of a computer&#10;&#10;Description automatically generated">
+            <a:extLst>
+              <a:ext uri="{FF2B5EF4-FFF2-40B4-BE49-F238E27FC236}">
+                <a16:creationId xmlns:a16="http://schemas.microsoft.com/office/drawing/2014/main" id="{B060094B-C3FF-55A6-20B1-00C0E4AAF869}"/>
+              </a:ext>
+            </a:extLst>
+          </p:cNvPr>
+          <p:cNvPicPr>
+            <a:picLocks noChangeAspect="1"/>
+          </p:cNvPicPr>
+          <p:nvPr/>
+        </p:nvPicPr>
+        <p:blipFill>
+          <a:blip r:embed="rId4"/>
+          <a:stretch>
+            <a:fillRect/>
+          </a:stretch>
+        </p:blipFill>
+        <p:spPr>
+          <a:xfrm>
+            <a:off x="5741802" y="2425148"/>
+            <a:ext cx="4849501" cy="1133061"/>
+          </a:xfrm>
+          <a:prstGeom prst="rect">
+            <a:avLst/>
+          </a:prstGeom>
+        </p:spPr>
+      </p:pic>
     </p:spTree>
     <p:extLst>
       <p:ext uri="{BB962C8B-B14F-4D97-AF65-F5344CB8AC3E}">
-        <p14:creationId xmlns:p14="http://schemas.microsoft.com/office/powerpoint/2010/main" val="206554586"/>
+        <p14:creationId xmlns:p14="http://schemas.microsoft.com/office/powerpoint/2010/main" val="932991914"/>
       </p:ext>
     </p:extLst>
   </p:cSld>
@@ -14766,7 +15684,7 @@
           <a:p>
             <a:r>
               <a:rPr lang="en-US" dirty="0"/>
-              <a:t>Model Architecture</a:t>
+              <a:t>Data Preprocessing</a:t>
             </a:r>
           </a:p>
         </p:txBody>
@@ -14787,10 +15705,15 @@
             <p:ph idx="1"/>
           </p:nvPr>
         </p:nvSpPr>
-        <p:spPr/>
+        <p:spPr>
+          <a:xfrm>
+            <a:off x="1" y="1523054"/>
+            <a:ext cx="6221896" cy="4191946"/>
+          </a:xfrm>
+        </p:spPr>
         <p:txBody>
           <a:bodyPr>
-            <a:normAutofit/>
+            <a:normAutofit fontScale="92500"/>
           </a:bodyPr>
           <a:lstStyle/>
           <a:p>
@@ -14812,7 +15735,7 @@
                 </a:highlight>
                 <a:latin typeface="Söhne"/>
               </a:rPr>
-              <a:t>Sequential Model</a:t>
+              <a:t>Reading Data</a:t>
             </a:r>
             <a:r>
               <a:rPr lang="en-US" b="0" i="0" dirty="0">
@@ -14825,7 +15748,7 @@
                 </a:highlight>
                 <a:latin typeface="Söhne"/>
               </a:rPr>
-              <a:t>: Introduce the architecture starting with the input layer.</a:t>
+              <a:t>: This process of loading the data from the file.</a:t>
             </a:r>
           </a:p>
           <a:p>
@@ -14847,7 +15770,7 @@
                 </a:highlight>
                 <a:latin typeface="Söhne"/>
               </a:rPr>
-              <a:t>Layers Explained</a:t>
+              <a:t>Cleaning and Tokenizing</a:t>
             </a:r>
             <a:r>
               <a:rPr lang="en-US" b="0" i="0" dirty="0">
@@ -14860,7 +15783,32 @@
                 </a:highlight>
                 <a:latin typeface="Söhne"/>
               </a:rPr>
-              <a:t>: Describe each layer (Embedding, LSTM, Dense, Dropout) .</a:t>
+              <a:t>: </a:t>
+            </a:r>
+            <a:r>
+              <a:rPr lang="en-US" dirty="0">
+                <a:solidFill>
+                  <a:srgbClr val="0D0D0D"/>
+                </a:solidFill>
+                <a:highlight>
+                  <a:srgbClr val="FFFFFF"/>
+                </a:highlight>
+                <a:latin typeface="Söhne"/>
+              </a:rPr>
+              <a:t>T</a:t>
+            </a:r>
+            <a:r>
+              <a:rPr lang="en-US" b="0" i="0" dirty="0">
+                <a:solidFill>
+                  <a:srgbClr val="0D0D0D"/>
+                </a:solidFill>
+                <a:effectLst/>
+                <a:highlight>
+                  <a:srgbClr val="FFFFFF"/>
+                </a:highlight>
+                <a:latin typeface="Söhne"/>
+              </a:rPr>
+              <a:t>ext cleaning and the tokenization process.</a:t>
             </a:r>
           </a:p>
           <a:p>
@@ -14872,7 +15820,7 @@
               <a:buChar char="•"/>
             </a:pPr>
             <a:r>
-              <a:rPr lang="en-US" b="1" i="0" dirty="0" err="1">
+              <a:rPr lang="en-US" b="1" i="0" dirty="0">
                 <a:solidFill>
                   <a:srgbClr val="0D0D0D"/>
                 </a:solidFill>
@@ -14882,10 +15830,10 @@
                 </a:highlight>
                 <a:latin typeface="Söhne"/>
               </a:rPr>
-              <a:t>GloVe</a:t>
-            </a:r>
-            <a:r>
-              <a:rPr lang="en-US" b="1" i="0" dirty="0">
+              <a:t>Sequence Padding</a:t>
+            </a:r>
+            <a:r>
+              <a:rPr lang="en-US" b="0" i="0" dirty="0">
                 <a:solidFill>
                   <a:srgbClr val="0D0D0D"/>
                 </a:solidFill>
@@ -14895,46 +15843,7 @@
                 </a:highlight>
                 <a:latin typeface="Söhne"/>
               </a:rPr>
-              <a:t> Embeddings</a:t>
-            </a:r>
-            <a:r>
-              <a:rPr lang="en-US" b="0" i="0" dirty="0">
-                <a:solidFill>
-                  <a:srgbClr val="0D0D0D"/>
-                </a:solidFill>
-                <a:effectLst/>
-                <a:highlight>
-                  <a:srgbClr val="FFFFFF"/>
-                </a:highlight>
-                <a:latin typeface="Söhne"/>
-              </a:rPr>
-              <a:t>: The role of </a:t>
-            </a:r>
-            <a:r>
-              <a:rPr lang="en-US" b="0" i="0" dirty="0" err="1">
-                <a:solidFill>
-                  <a:srgbClr val="0D0D0D"/>
-                </a:solidFill>
-                <a:effectLst/>
-                <a:highlight>
-                  <a:srgbClr val="FFFFFF"/>
-                </a:highlight>
-                <a:latin typeface="Söhne"/>
-              </a:rPr>
-              <a:t>GloVe</a:t>
-            </a:r>
-            <a:r>
-              <a:rPr lang="en-US" b="0" i="0" dirty="0">
-                <a:solidFill>
-                  <a:srgbClr val="0D0D0D"/>
-                </a:solidFill>
-                <a:effectLst/>
-                <a:highlight>
-                  <a:srgbClr val="FFFFFF"/>
-                </a:highlight>
-                <a:latin typeface="Söhne"/>
-              </a:rPr>
-              <a:t> embeddings in enhancing model understanding of text semantics.</a:t>
+              <a:t>: padding is necessary to create uniform input sizes for neural network processing.</a:t>
             </a:r>
           </a:p>
           <a:p>
@@ -14969,7 +15878,32 @@
                 </a:highlight>
                 <a:latin typeface="Söhne"/>
               </a:rPr>
-              <a:t>: Provide a technical overview of the model’s structure</a:t>
+              <a:t>:  </a:t>
+            </a:r>
+            <a:r>
+              <a:rPr lang="en-US" dirty="0">
+                <a:solidFill>
+                  <a:srgbClr val="0D0D0D"/>
+                </a:solidFill>
+                <a:highlight>
+                  <a:srgbClr val="FFFFFF"/>
+                </a:highlight>
+                <a:latin typeface="Söhne"/>
+              </a:rPr>
+              <a:t>R</a:t>
+            </a:r>
+            <a:r>
+              <a:rPr lang="en-US" b="0" i="0" dirty="0">
+                <a:solidFill>
+                  <a:srgbClr val="0D0D0D"/>
+                </a:solidFill>
+                <a:effectLst/>
+                <a:highlight>
+                  <a:srgbClr val="FFFFFF"/>
+                </a:highlight>
+                <a:latin typeface="Söhne"/>
+              </a:rPr>
+              <a:t>aw data is transformed into a format suitable for model training.</a:t>
             </a:r>
           </a:p>
         </p:txBody>
@@ -15134,10 +16068,70 @@
           </a:p>
         </p:txBody>
       </p:sp>
+      <p:pic>
+        <p:nvPicPr>
+          <p:cNvPr id="6" name="Picture 5" descr="A screen shot of a computer program&#10;&#10;Description automatically generated">
+            <a:extLst>
+              <a:ext uri="{FF2B5EF4-FFF2-40B4-BE49-F238E27FC236}">
+                <a16:creationId xmlns:a16="http://schemas.microsoft.com/office/drawing/2014/main" id="{1A1E1996-918A-D46E-6FD6-08BF15AE37C1}"/>
+              </a:ext>
+            </a:extLst>
+          </p:cNvPr>
+          <p:cNvPicPr>
+            <a:picLocks noChangeAspect="1"/>
+          </p:cNvPicPr>
+          <p:nvPr/>
+        </p:nvPicPr>
+        <p:blipFill>
+          <a:blip r:embed="rId3"/>
+          <a:stretch>
+            <a:fillRect/>
+          </a:stretch>
+        </p:blipFill>
+        <p:spPr>
+          <a:xfrm>
+            <a:off x="6125817" y="1114217"/>
+            <a:ext cx="4461728" cy="2762780"/>
+          </a:xfrm>
+          <a:prstGeom prst="rect">
+            <a:avLst/>
+          </a:prstGeom>
+        </p:spPr>
+      </p:pic>
+      <p:pic>
+        <p:nvPicPr>
+          <p:cNvPr id="8" name="Picture 7" descr="A white background with black text&#10;&#10;Description automatically generated">
+            <a:extLst>
+              <a:ext uri="{FF2B5EF4-FFF2-40B4-BE49-F238E27FC236}">
+                <a16:creationId xmlns:a16="http://schemas.microsoft.com/office/drawing/2014/main" id="{78AE9F65-DB2D-A5E4-F15E-5F9A346F8374}"/>
+              </a:ext>
+            </a:extLst>
+          </p:cNvPr>
+          <p:cNvPicPr>
+            <a:picLocks noChangeAspect="1"/>
+          </p:cNvPicPr>
+          <p:nvPr/>
+        </p:nvPicPr>
+        <p:blipFill>
+          <a:blip r:embed="rId4"/>
+          <a:stretch>
+            <a:fillRect/>
+          </a:stretch>
+        </p:blipFill>
+        <p:spPr>
+          <a:xfrm>
+            <a:off x="6096000" y="4168294"/>
+            <a:ext cx="4504172" cy="801454"/>
+          </a:xfrm>
+          <a:prstGeom prst="rect">
+            <a:avLst/>
+          </a:prstGeom>
+        </p:spPr>
+      </p:pic>
     </p:spTree>
     <p:extLst>
       <p:ext uri="{BB962C8B-B14F-4D97-AF65-F5344CB8AC3E}">
-        <p14:creationId xmlns:p14="http://schemas.microsoft.com/office/powerpoint/2010/main" val="3251249379"/>
+        <p14:creationId xmlns:p14="http://schemas.microsoft.com/office/powerpoint/2010/main" val="206554586"/>
       </p:ext>
     </p:extLst>
   </p:cSld>
@@ -15187,7 +16181,7 @@
           <a:p>
             <a:r>
               <a:rPr lang="en-US" dirty="0"/>
-              <a:t>Training the Model</a:t>
+              <a:t>Model Architecture</a:t>
             </a:r>
           </a:p>
         </p:txBody>
@@ -15208,10 +16202,15 @@
             <p:ph idx="1"/>
           </p:nvPr>
         </p:nvSpPr>
-        <p:spPr/>
+        <p:spPr>
+          <a:xfrm>
+            <a:off x="0" y="1441174"/>
+            <a:ext cx="5567565" cy="4293704"/>
+          </a:xfrm>
+        </p:spPr>
         <p:txBody>
           <a:bodyPr>
-            <a:normAutofit/>
+            <a:normAutofit fontScale="92500" lnSpcReduction="10000"/>
           </a:bodyPr>
           <a:lstStyle/>
           <a:p>
@@ -15233,7 +16232,7 @@
                 </a:highlight>
                 <a:latin typeface="Söhne"/>
               </a:rPr>
-              <a:t>Data Splitting</a:t>
+              <a:t>Sequential Model</a:t>
             </a:r>
             <a:r>
               <a:rPr lang="en-US" b="0" i="0" dirty="0">
@@ -15246,32 +16245,7 @@
                 </a:highlight>
                 <a:latin typeface="Söhne"/>
               </a:rPr>
-              <a:t>: </a:t>
-            </a:r>
-            <a:r>
-              <a:rPr lang="en-US" dirty="0">
-                <a:solidFill>
-                  <a:srgbClr val="0D0D0D"/>
-                </a:solidFill>
-                <a:highlight>
-                  <a:srgbClr val="FFFFFF"/>
-                </a:highlight>
-                <a:latin typeface="Söhne"/>
-              </a:rPr>
-              <a:t>T</a:t>
-            </a:r>
-            <a:r>
-              <a:rPr lang="en-US" b="0" i="0" dirty="0">
-                <a:solidFill>
-                  <a:srgbClr val="0D0D0D"/>
-                </a:solidFill>
-                <a:effectLst/>
-                <a:highlight>
-                  <a:srgbClr val="FFFFFF"/>
-                </a:highlight>
-                <a:latin typeface="Söhne"/>
-              </a:rPr>
-              <a:t>he data is divided into training and validation sets.</a:t>
+              <a:t>: Introduce the architecture starting with the input layer.</a:t>
             </a:r>
           </a:p>
           <a:p>
@@ -15293,7 +16267,7 @@
                 </a:highlight>
                 <a:latin typeface="Söhne"/>
               </a:rPr>
-              <a:t>Training Parameters</a:t>
+              <a:t>Layers Explained</a:t>
             </a:r>
             <a:r>
               <a:rPr lang="en-US" b="0" i="0" dirty="0">
@@ -15306,7 +16280,7 @@
                 </a:highlight>
                 <a:latin typeface="Söhne"/>
               </a:rPr>
-              <a:t>: Specify the number of epochs, batch size, and any other relevant parameters.</a:t>
+              <a:t>: Describe each layer (Embedding, LSTM, Dense, Dropout) .</a:t>
             </a:r>
           </a:p>
           <a:p>
@@ -15318,6 +16292,80 @@
               <a:buChar char="•"/>
             </a:pPr>
             <a:r>
+              <a:rPr lang="en-US" b="1" i="0" dirty="0" err="1">
+                <a:solidFill>
+                  <a:srgbClr val="0D0D0D"/>
+                </a:solidFill>
+                <a:effectLst/>
+                <a:highlight>
+                  <a:srgbClr val="FFFFFF"/>
+                </a:highlight>
+                <a:latin typeface="Söhne"/>
+              </a:rPr>
+              <a:t>GloVe</a:t>
+            </a:r>
+            <a:r>
+              <a:rPr lang="en-US" b="1" i="0" dirty="0">
+                <a:solidFill>
+                  <a:srgbClr val="0D0D0D"/>
+                </a:solidFill>
+                <a:effectLst/>
+                <a:highlight>
+                  <a:srgbClr val="FFFFFF"/>
+                </a:highlight>
+                <a:latin typeface="Söhne"/>
+              </a:rPr>
+              <a:t> Embeddings</a:t>
+            </a:r>
+            <a:r>
+              <a:rPr lang="en-US" b="0" i="0" dirty="0">
+                <a:solidFill>
+                  <a:srgbClr val="0D0D0D"/>
+                </a:solidFill>
+                <a:effectLst/>
+                <a:highlight>
+                  <a:srgbClr val="FFFFFF"/>
+                </a:highlight>
+                <a:latin typeface="Söhne"/>
+              </a:rPr>
+              <a:t>: The role of </a:t>
+            </a:r>
+            <a:r>
+              <a:rPr lang="en-US" b="0" i="0" dirty="0" err="1">
+                <a:solidFill>
+                  <a:srgbClr val="0D0D0D"/>
+                </a:solidFill>
+                <a:effectLst/>
+                <a:highlight>
+                  <a:srgbClr val="FFFFFF"/>
+                </a:highlight>
+                <a:latin typeface="Söhne"/>
+              </a:rPr>
+              <a:t>GloVe</a:t>
+            </a:r>
+            <a:r>
+              <a:rPr lang="en-US" b="0" i="0" dirty="0">
+                <a:solidFill>
+                  <a:srgbClr val="0D0D0D"/>
+                </a:solidFill>
+                <a:effectLst/>
+                <a:highlight>
+                  <a:srgbClr val="FFFFFF"/>
+                </a:highlight>
+                <a:latin typeface="Söhne"/>
+              </a:rPr>
+              <a:t> embeddings in enhancing model understanding of text semantics.</a:t>
+            </a:r>
+          </a:p>
+          <a:p>
+            <a:pPr lvl="1">
+              <a:lnSpc>
+                <a:spcPct val="200000"/>
+              </a:lnSpc>
+              <a:buFont typeface="Arial" panose="020B0604020202020204" pitchFamily="34" charset="0"/>
+              <a:buChar char="•"/>
+            </a:pPr>
+            <a:r>
               <a:rPr lang="en-US" b="1" i="0" dirty="0">
                 <a:solidFill>
                   <a:srgbClr val="0D0D0D"/>
@@ -15341,16 +16389,33 @@
                 </a:highlight>
                 <a:latin typeface="Söhne"/>
               </a:rPr>
-              <a:t>:  how the model is trained and tuned.</a:t>
-            </a:r>
-          </a:p>
-          <a:p>
-            <a:pPr lvl="1">
-              <a:lnSpc>
-                <a:spcPct val="200000"/>
-              </a:lnSpc>
-            </a:pPr>
-            <a:endParaRPr lang="en-US" dirty="0"/>
+              <a:t>: IT </a:t>
+            </a:r>
+            <a:r>
+              <a:rPr lang="en-US" dirty="0">
+                <a:solidFill>
+                  <a:srgbClr val="0D0D0D"/>
+                </a:solidFill>
+                <a:highlight>
+                  <a:srgbClr val="FFFFFF"/>
+                </a:highlight>
+                <a:latin typeface="Söhne"/>
+              </a:rPr>
+              <a:t>p</a:t>
+            </a:r>
+            <a:r>
+              <a:rPr lang="en-US" b="0" i="0" dirty="0">
+                <a:solidFill>
+                  <a:srgbClr val="0D0D0D"/>
+                </a:solidFill>
+                <a:effectLst/>
+                <a:highlight>
+                  <a:srgbClr val="FFFFFF"/>
+                </a:highlight>
+                <a:latin typeface="Söhne"/>
+              </a:rPr>
+              <a:t>rovide a technical overview of the model’s structure</a:t>
+            </a:r>
           </a:p>
         </p:txBody>
       </p:sp>
@@ -15514,10 +16579,100 @@
           </a:p>
         </p:txBody>
       </p:sp>
+      <p:pic>
+        <p:nvPicPr>
+          <p:cNvPr id="6" name="Picture 5" descr="A computer code with black text&#10;&#10;Description automatically generated">
+            <a:extLst>
+              <a:ext uri="{FF2B5EF4-FFF2-40B4-BE49-F238E27FC236}">
+                <a16:creationId xmlns:a16="http://schemas.microsoft.com/office/drawing/2014/main" id="{FF32F58C-A314-D2DB-A83E-CDE20CF13F61}"/>
+              </a:ext>
+            </a:extLst>
+          </p:cNvPr>
+          <p:cNvPicPr>
+            <a:picLocks noChangeAspect="1"/>
+          </p:cNvPicPr>
+          <p:nvPr/>
+        </p:nvPicPr>
+        <p:blipFill>
+          <a:blip r:embed="rId3"/>
+          <a:stretch>
+            <a:fillRect/>
+          </a:stretch>
+        </p:blipFill>
+        <p:spPr>
+          <a:xfrm>
+            <a:off x="5337614" y="1111189"/>
+            <a:ext cx="5204021" cy="1272412"/>
+          </a:xfrm>
+          <a:prstGeom prst="rect">
+            <a:avLst/>
+          </a:prstGeom>
+        </p:spPr>
+      </p:pic>
+      <p:pic>
+        <p:nvPicPr>
+          <p:cNvPr id="8" name="Picture 7">
+            <a:extLst>
+              <a:ext uri="{FF2B5EF4-FFF2-40B4-BE49-F238E27FC236}">
+                <a16:creationId xmlns:a16="http://schemas.microsoft.com/office/drawing/2014/main" id="{4B5E82B6-2FA5-2B69-FCCD-695BC8815D0C}"/>
+              </a:ext>
+            </a:extLst>
+          </p:cNvPr>
+          <p:cNvPicPr>
+            <a:picLocks noChangeAspect="1"/>
+          </p:cNvPicPr>
+          <p:nvPr/>
+        </p:nvPicPr>
+        <p:blipFill>
+          <a:blip r:embed="rId4"/>
+          <a:stretch>
+            <a:fillRect/>
+          </a:stretch>
+        </p:blipFill>
+        <p:spPr>
+          <a:xfrm>
+            <a:off x="5337614" y="2390714"/>
+            <a:ext cx="5317134" cy="357720"/>
+          </a:xfrm>
+          <a:prstGeom prst="rect">
+            <a:avLst/>
+          </a:prstGeom>
+        </p:spPr>
+      </p:pic>
+      <p:pic>
+        <p:nvPicPr>
+          <p:cNvPr id="10" name="Picture 9" descr="A screenshot of a computer&#10;&#10;Description automatically generated">
+            <a:extLst>
+              <a:ext uri="{FF2B5EF4-FFF2-40B4-BE49-F238E27FC236}">
+                <a16:creationId xmlns:a16="http://schemas.microsoft.com/office/drawing/2014/main" id="{924E31F5-6444-7931-52E0-83531BF5BD92}"/>
+              </a:ext>
+            </a:extLst>
+          </p:cNvPr>
+          <p:cNvPicPr>
+            <a:picLocks noChangeAspect="1"/>
+          </p:cNvPicPr>
+          <p:nvPr/>
+        </p:nvPicPr>
+        <p:blipFill>
+          <a:blip r:embed="rId5"/>
+          <a:stretch>
+            <a:fillRect/>
+          </a:stretch>
+        </p:blipFill>
+        <p:spPr>
+          <a:xfrm>
+            <a:off x="5510988" y="2824733"/>
+            <a:ext cx="4900085" cy="3116850"/>
+          </a:xfrm>
+          <a:prstGeom prst="rect">
+            <a:avLst/>
+          </a:prstGeom>
+        </p:spPr>
+      </p:pic>
     </p:spTree>
     <p:extLst>
       <p:ext uri="{BB962C8B-B14F-4D97-AF65-F5344CB8AC3E}">
-        <p14:creationId xmlns:p14="http://schemas.microsoft.com/office/powerpoint/2010/main" val="816163772"/>
+        <p14:creationId xmlns:p14="http://schemas.microsoft.com/office/powerpoint/2010/main" val="3251249379"/>
       </p:ext>
     </p:extLst>
   </p:cSld>
@@ -15565,9 +16720,50 @@
           <a:bodyPr/>
           <a:lstStyle/>
           <a:p>
-            <a:pPr algn="l"/>
-            <a:r>
-              <a:rPr lang="en-US" i="0" dirty="0">
+            <a:r>
+              <a:rPr lang="en-US" dirty="0"/>
+              <a:t>Training the Model</a:t>
+            </a:r>
+          </a:p>
+        </p:txBody>
+      </p:sp>
+      <p:sp>
+        <p:nvSpPr>
+          <p:cNvPr id="3" name="Content Placeholder 2">
+            <a:extLst>
+              <a:ext uri="{FF2B5EF4-FFF2-40B4-BE49-F238E27FC236}">
+                <a16:creationId xmlns:a16="http://schemas.microsoft.com/office/drawing/2014/main" id="{2875403B-F6A5-4855-B204-4A9D1F5B268F}"/>
+              </a:ext>
+            </a:extLst>
+          </p:cNvPr>
+          <p:cNvSpPr>
+            <a:spLocks noGrp="1"/>
+          </p:cNvSpPr>
+          <p:nvPr>
+            <p:ph idx="1"/>
+          </p:nvPr>
+        </p:nvSpPr>
+        <p:spPr>
+          <a:xfrm>
+            <a:off x="-77851" y="1473358"/>
+            <a:ext cx="4709485" cy="3535963"/>
+          </a:xfrm>
+        </p:spPr>
+        <p:txBody>
+          <a:bodyPr>
+            <a:normAutofit fontScale="92500"/>
+          </a:bodyPr>
+          <a:lstStyle/>
+          <a:p>
+            <a:pPr lvl="1">
+              <a:lnSpc>
+                <a:spcPct val="200000"/>
+              </a:lnSpc>
+              <a:buFont typeface="Arial" panose="020B0604020202020204" pitchFamily="34" charset="0"/>
+              <a:buChar char="•"/>
+            </a:pPr>
+            <a:r>
+              <a:rPr lang="en-US" b="1" i="0" dirty="0">
                 <a:solidFill>
                   <a:srgbClr val="0D0D0D"/>
                 </a:solidFill>
@@ -15577,10 +16773,10 @@
                 </a:highlight>
                 <a:latin typeface="Söhne"/>
               </a:rPr>
-              <a:t>Model</a:t>
-            </a:r>
-            <a:r>
-              <a:rPr lang="en-US" b="1" i="0" dirty="0">
+              <a:t>Data Splitting</a:t>
+            </a:r>
+            <a:r>
+              <a:rPr lang="en-US" b="0" i="0" dirty="0">
                 <a:solidFill>
                   <a:srgbClr val="0D0D0D"/>
                 </a:solidFill>
@@ -15590,10 +16786,22 @@
                 </a:highlight>
                 <a:latin typeface="Söhne"/>
               </a:rPr>
-              <a:t> </a:t>
-            </a:r>
-            <a:r>
-              <a:rPr lang="en-US" i="0" dirty="0">
+              <a:t>: </a:t>
+            </a:r>
+            <a:r>
+              <a:rPr lang="en-US" dirty="0">
+                <a:solidFill>
+                  <a:srgbClr val="0D0D0D"/>
+                </a:solidFill>
+                <a:highlight>
+                  <a:srgbClr val="FFFFFF"/>
+                </a:highlight>
+                <a:latin typeface="Söhne"/>
+              </a:rPr>
+              <a:t>T</a:t>
+            </a:r>
+            <a:r>
+              <a:rPr lang="en-US" b="0" i="0" dirty="0">
                 <a:solidFill>
                   <a:srgbClr val="0D0D0D"/>
                 </a:solidFill>
@@ -15603,37 +16811,13 @@
                 </a:highlight>
                 <a:latin typeface="Söhne"/>
               </a:rPr>
-              <a:t>Evaluation</a:t>
-            </a:r>
-          </a:p>
-        </p:txBody>
-      </p:sp>
-      <p:sp>
-        <p:nvSpPr>
-          <p:cNvPr id="3" name="Content Placeholder 2">
-            <a:extLst>
-              <a:ext uri="{FF2B5EF4-FFF2-40B4-BE49-F238E27FC236}">
-                <a16:creationId xmlns:a16="http://schemas.microsoft.com/office/drawing/2014/main" id="{2875403B-F6A5-4855-B204-4A9D1F5B268F}"/>
-              </a:ext>
-            </a:extLst>
-          </p:cNvPr>
-          <p:cNvSpPr>
-            <a:spLocks noGrp="1"/>
-          </p:cNvSpPr>
-          <p:nvPr>
-            <p:ph idx="1"/>
-          </p:nvPr>
-        </p:nvSpPr>
-        <p:spPr/>
-        <p:txBody>
-          <a:bodyPr>
-            <a:normAutofit/>
-          </a:bodyPr>
-          <a:lstStyle/>
+              <a:t>he data is divided into training and validation sets.</a:t>
+            </a:r>
+          </a:p>
           <a:p>
             <a:pPr lvl="1">
               <a:lnSpc>
-                <a:spcPct val="250000"/>
+                <a:spcPct val="200000"/>
               </a:lnSpc>
               <a:buFont typeface="Arial" panose="020B0604020202020204" pitchFamily="34" charset="0"/>
               <a:buChar char="•"/>
@@ -15649,7 +16833,7 @@
                 </a:highlight>
                 <a:latin typeface="Söhne"/>
               </a:rPr>
-              <a:t>Evaluation Metrics</a:t>
+              <a:t>Training Parameters</a:t>
             </a:r>
             <a:r>
               <a:rPr lang="en-US" b="0" i="0" dirty="0">
@@ -15662,48 +16846,13 @@
                 </a:highlight>
                 <a:latin typeface="Söhne"/>
               </a:rPr>
-              <a:t>: Define the metrics used such as accuracy and loss.</a:t>
+              <a:t>: Specify the number of epochs, batch size, and any other relevant parameters.</a:t>
             </a:r>
           </a:p>
           <a:p>
             <a:pPr lvl="1">
               <a:lnSpc>
-                <a:spcPct val="250000"/>
-              </a:lnSpc>
-              <a:buFont typeface="Arial" panose="020B0604020202020204" pitchFamily="34" charset="0"/>
-              <a:buChar char="•"/>
-            </a:pPr>
-            <a:r>
-              <a:rPr lang="en-US" b="1" i="0" dirty="0">
-                <a:solidFill>
-                  <a:srgbClr val="0D0D0D"/>
-                </a:solidFill>
-                <a:effectLst/>
-                <a:highlight>
-                  <a:srgbClr val="FFFFFF"/>
-                </a:highlight>
-                <a:latin typeface="Söhne"/>
-              </a:rPr>
-              <a:t>Performance Overview</a:t>
-            </a:r>
-            <a:r>
-              <a:rPr lang="en-US" b="0" i="0" dirty="0">
-                <a:solidFill>
-                  <a:srgbClr val="0D0D0D"/>
-                </a:solidFill>
-                <a:effectLst/>
-                <a:highlight>
-                  <a:srgbClr val="FFFFFF"/>
-                </a:highlight>
-                <a:latin typeface="Söhne"/>
-              </a:rPr>
-              <a:t>: Share results from the model performance on validation data.</a:t>
-            </a:r>
-          </a:p>
-          <a:p>
-            <a:pPr lvl="1">
-              <a:lnSpc>
-                <a:spcPct val="250000"/>
+                <a:spcPct val="200000"/>
               </a:lnSpc>
               <a:buFont typeface="Arial" panose="020B0604020202020204" pitchFamily="34" charset="0"/>
               <a:buChar char="•"/>
@@ -15732,8 +16881,41 @@
                 </a:highlight>
                 <a:latin typeface="Söhne"/>
               </a:rPr>
-              <a:t>: Assess the effectiveness of the trained model.</a:t>
-            </a:r>
+              <a:t>: </a:t>
+            </a:r>
+            <a:r>
+              <a:rPr lang="en-US" dirty="0">
+                <a:solidFill>
+                  <a:srgbClr val="0D0D0D"/>
+                </a:solidFill>
+                <a:highlight>
+                  <a:srgbClr val="FFFFFF"/>
+                </a:highlight>
+                <a:latin typeface="Söhne"/>
+              </a:rPr>
+              <a:t>T</a:t>
+            </a:r>
+            <a:r>
+              <a:rPr lang="en-US" b="0" i="0" dirty="0">
+                <a:solidFill>
+                  <a:srgbClr val="0D0D0D"/>
+                </a:solidFill>
+                <a:effectLst/>
+                <a:highlight>
+                  <a:srgbClr val="FFFFFF"/>
+                </a:highlight>
+                <a:latin typeface="Söhne"/>
+              </a:rPr>
+              <a:t>he model is trained and tuned.</a:t>
+            </a:r>
+          </a:p>
+          <a:p>
+            <a:pPr lvl="1">
+              <a:lnSpc>
+                <a:spcPct val="200000"/>
+              </a:lnSpc>
+            </a:pPr>
+            <a:endParaRPr lang="en-US" dirty="0"/>
           </a:p>
         </p:txBody>
       </p:sp>
@@ -15897,10 +17079,40 @@
           </a:p>
         </p:txBody>
       </p:sp>
+      <p:pic>
+        <p:nvPicPr>
+          <p:cNvPr id="6" name="Picture 5" descr="A screenshot of a computer code&#10;&#10;Description automatically generated">
+            <a:extLst>
+              <a:ext uri="{FF2B5EF4-FFF2-40B4-BE49-F238E27FC236}">
+                <a16:creationId xmlns:a16="http://schemas.microsoft.com/office/drawing/2014/main" id="{A7D18B9C-B364-F70B-87D4-363DE4F186F3}"/>
+              </a:ext>
+            </a:extLst>
+          </p:cNvPr>
+          <p:cNvPicPr>
+            <a:picLocks noChangeAspect="1"/>
+          </p:cNvPicPr>
+          <p:nvPr/>
+        </p:nvPicPr>
+        <p:blipFill>
+          <a:blip r:embed="rId3"/>
+          <a:stretch>
+            <a:fillRect/>
+          </a:stretch>
+        </p:blipFill>
+        <p:spPr>
+          <a:xfrm>
+            <a:off x="4704163" y="2238506"/>
+            <a:ext cx="5712410" cy="2005665"/>
+          </a:xfrm>
+          <a:prstGeom prst="rect">
+            <a:avLst/>
+          </a:prstGeom>
+        </p:spPr>
+      </p:pic>
     </p:spTree>
     <p:extLst>
       <p:ext uri="{BB962C8B-B14F-4D97-AF65-F5344CB8AC3E}">
-        <p14:creationId xmlns:p14="http://schemas.microsoft.com/office/powerpoint/2010/main" val="1509911529"/>
+        <p14:creationId xmlns:p14="http://schemas.microsoft.com/office/powerpoint/2010/main" val="816163772"/>
       </p:ext>
     </p:extLst>
   </p:cSld>
@@ -16702,26 +17914,6 @@
 </file>
 
 <file path=customXml/item1.xml><?xml version="1.0" encoding="utf-8"?>
-<p:properties xmlns:p="http://schemas.microsoft.com/office/2006/metadata/properties" xmlns:xsi="http://www.w3.org/2001/XMLSchema-instance" xmlns:pc="http://schemas.microsoft.com/office/infopath/2007/PartnerControls">
-  <documentManagement>
-    <_ip_UnifiedCompliancePolicyUIAction xmlns="http://schemas.microsoft.com/sharepoint/v3" xsi:nil="true"/>
-    <Image xmlns="71af3243-3dd4-4a8d-8c0d-dd76da1f02a5">
-      <Url xsi:nil="true"/>
-      <Description xsi:nil="true"/>
-    </Image>
-    <Status xmlns="71af3243-3dd4-4a8d-8c0d-dd76da1f02a5">Not started</Status>
-    <Background xmlns="71af3243-3dd4-4a8d-8c0d-dd76da1f02a5">false</Background>
-    <_ip_UnifiedCompliancePolicyProperties xmlns="http://schemas.microsoft.com/sharepoint/v3" xsi:nil="true"/>
-    <ImageTagsTaxHTField xmlns="71af3243-3dd4-4a8d-8c0d-dd76da1f02a5">
-      <Terms xmlns="http://schemas.microsoft.com/office/infopath/2007/PartnerControls"/>
-    </ImageTagsTaxHTField>
-    <TaxCatchAll xmlns="230e9df3-be65-4c73-a93b-d1236ebd677e" xsi:nil="true"/>
-    <MediaServiceKeyPoints xmlns="71af3243-3dd4-4a8d-8c0d-dd76da1f02a5" xsi:nil="true"/>
-  </documentManagement>
-</p:properties>
-</file>
-
-<file path=customXml/item2.xml><?xml version="1.0" encoding="utf-8"?>
 <ct:contentTypeSchema xmlns:ct="http://schemas.microsoft.com/office/2006/metadata/contentType" xmlns:ma="http://schemas.microsoft.com/office/2006/metadata/properties/metaAttributes" ct:_="" ma:_="" ma:contentTypeName="Document" ma:contentTypeID="0x01010079F111ED35F8CC479449609E8A0923A6" ma:contentTypeVersion="28" ma:contentTypeDescription="Create a new document." ma:contentTypeScope="" ma:versionID="60f5a4f2d2b0abadcf532d48ebf9cb71">
   <xsd:schema xmlns:xsd="http://www.w3.org/2001/XMLSchema" xmlns:xs="http://www.w3.org/2001/XMLSchema" xmlns:p="http://schemas.microsoft.com/office/2006/metadata/properties" xmlns:ns1="http://schemas.microsoft.com/sharepoint/v3" xmlns:ns2="71af3243-3dd4-4a8d-8c0d-dd76da1f02a5" xmlns:ns3="16c05727-aa75-4e4a-9b5f-8a80a1165891" xmlns:ns4="230e9df3-be65-4c73-a93b-d1236ebd677e" targetNamespace="http://schemas.microsoft.com/office/2006/metadata/properties" ma:root="true" ma:fieldsID="7dd78129e6a1811f84807ad11c651531" ns1:_="" ns2:_="" ns3:_="" ns4:_="">
     <xsd:import namespace="http://schemas.microsoft.com/sharepoint/v3"/>
@@ -17033,6 +18225,26 @@
 </ct:contentTypeSchema>
 </file>
 
+<file path=customXml/item2.xml><?xml version="1.0" encoding="utf-8"?>
+<p:properties xmlns:p="http://schemas.microsoft.com/office/2006/metadata/properties" xmlns:xsi="http://www.w3.org/2001/XMLSchema-instance" xmlns:pc="http://schemas.microsoft.com/office/infopath/2007/PartnerControls">
+  <documentManagement>
+    <_ip_UnifiedCompliancePolicyUIAction xmlns="http://schemas.microsoft.com/sharepoint/v3" xsi:nil="true"/>
+    <Image xmlns="71af3243-3dd4-4a8d-8c0d-dd76da1f02a5">
+      <Url xsi:nil="true"/>
+      <Description xsi:nil="true"/>
+    </Image>
+    <Status xmlns="71af3243-3dd4-4a8d-8c0d-dd76da1f02a5">Not started</Status>
+    <Background xmlns="71af3243-3dd4-4a8d-8c0d-dd76da1f02a5">false</Background>
+    <_ip_UnifiedCompliancePolicyProperties xmlns="http://schemas.microsoft.com/sharepoint/v3" xsi:nil="true"/>
+    <ImageTagsTaxHTField xmlns="71af3243-3dd4-4a8d-8c0d-dd76da1f02a5">
+      <Terms xmlns="http://schemas.microsoft.com/office/infopath/2007/PartnerControls"/>
+    </ImageTagsTaxHTField>
+    <TaxCatchAll xmlns="230e9df3-be65-4c73-a93b-d1236ebd677e" xsi:nil="true"/>
+    <MediaServiceKeyPoints xmlns="71af3243-3dd4-4a8d-8c0d-dd76da1f02a5" xsi:nil="true"/>
+  </documentManagement>
+</p:properties>
+</file>
+
 <file path=customXml/item3.xml><?xml version="1.0" encoding="utf-8"?>
 <?mso-contentType ?>
 <FormTemplates xmlns="http://schemas.microsoft.com/sharepoint/v3/contenttype/forms">
@@ -17043,18 +18255,6 @@
 </file>
 
 <file path=customXml/itemProps1.xml><?xml version="1.0" encoding="utf-8"?>
-<ds:datastoreItem xmlns:ds="http://schemas.openxmlformats.org/officeDocument/2006/customXml" ds:itemID="{E3B37DAF-AFAF-4561-A80B-C76198EBD319}">
-  <ds:schemaRefs>
-    <ds:schemaRef ds:uri="http://schemas.microsoft.com/office/2006/metadata/properties"/>
-    <ds:schemaRef ds:uri="http://schemas.microsoft.com/office/infopath/2007/PartnerControls"/>
-    <ds:schemaRef ds:uri="http://schemas.microsoft.com/sharepoint/v3"/>
-    <ds:schemaRef ds:uri="71af3243-3dd4-4a8d-8c0d-dd76da1f02a5"/>
-    <ds:schemaRef ds:uri="230e9df3-be65-4c73-a93b-d1236ebd677e"/>
-  </ds:schemaRefs>
-</ds:datastoreItem>
-</file>
-
-<file path=customXml/itemProps2.xml><?xml version="1.0" encoding="utf-8"?>
 <ds:datastoreItem xmlns:ds="http://schemas.openxmlformats.org/officeDocument/2006/customXml" ds:itemID="{A29436BC-77AE-4AEE-A282-4E162A1CAA7D}">
   <ds:schemaRefs>
     <ds:schemaRef ds:uri="http://schemas.microsoft.com/office/2006/metadata/contentType"/>
@@ -17075,6 +18275,18 @@
 </ds:datastoreItem>
 </file>
 
+<file path=customXml/itemProps2.xml><?xml version="1.0" encoding="utf-8"?>
+<ds:datastoreItem xmlns:ds="http://schemas.openxmlformats.org/officeDocument/2006/customXml" ds:itemID="{E3B37DAF-AFAF-4561-A80B-C76198EBD319}">
+  <ds:schemaRefs>
+    <ds:schemaRef ds:uri="http://schemas.microsoft.com/office/2006/metadata/properties"/>
+    <ds:schemaRef ds:uri="http://schemas.microsoft.com/office/infopath/2007/PartnerControls"/>
+    <ds:schemaRef ds:uri="http://schemas.microsoft.com/sharepoint/v3"/>
+    <ds:schemaRef ds:uri="71af3243-3dd4-4a8d-8c0d-dd76da1f02a5"/>
+    <ds:schemaRef ds:uri="230e9df3-be65-4c73-a93b-d1236ebd677e"/>
+  </ds:schemaRefs>
+</ds:datastoreItem>
+</file>
+
 <file path=customXml/itemProps3.xml><?xml version="1.0" encoding="utf-8"?>
 <ds:datastoreItem xmlns:ds="http://schemas.openxmlformats.org/officeDocument/2006/customXml" ds:itemID="{5B665E41-66EB-401D-940D-8E7024721BE5}">
   <ds:schemaRefs>
